--- a/report1.pptx
+++ b/report1.pptx
@@ -270,97 +270,97 @@
                 <c:formatCode>General</c:formatCode>
                 <c:ptCount val="31"/>
                 <c:pt idx="0">
-                  <c:v>6.5</c:v>
+                  <c:v>8.5</c:v>
                 </c:pt>
                 <c:pt idx="1">
+                  <c:v>6.2</c:v>
+                </c:pt>
+                <c:pt idx="2">
+                  <c:v>7.0</c:v>
+                </c:pt>
+                <c:pt idx="3">
+                  <c:v>7.4</c:v>
+                </c:pt>
+                <c:pt idx="4">
+                  <c:v>7.7</c:v>
+                </c:pt>
+                <c:pt idx="5">
+                  <c:v>7.8</c:v>
+                </c:pt>
+                <c:pt idx="6">
+                  <c:v>7.6</c:v>
+                </c:pt>
+                <c:pt idx="7">
+                  <c:v>7.4</c:v>
+                </c:pt>
+                <c:pt idx="8">
+                  <c:v>7.4</c:v>
+                </c:pt>
+                <c:pt idx="9">
+                  <c:v>8.0</c:v>
+                </c:pt>
+                <c:pt idx="10">
+                  <c:v>8.5</c:v>
+                </c:pt>
+                <c:pt idx="11">
+                  <c:v>8.7</c:v>
+                </c:pt>
+                <c:pt idx="12">
+                  <c:v>8.6</c:v>
+                </c:pt>
+                <c:pt idx="13">
+                  <c:v>8.7</c:v>
+                </c:pt>
+                <c:pt idx="14">
+                  <c:v>7.6</c:v>
+                </c:pt>
+                <c:pt idx="15">
+                  <c:v>7.8</c:v>
+                </c:pt>
+                <c:pt idx="16">
+                  <c:v>8.5</c:v>
+                </c:pt>
+                <c:pt idx="17">
+                  <c:v>8.9</c:v>
+                </c:pt>
+                <c:pt idx="18">
+                  <c:v>9.1</c:v>
+                </c:pt>
+                <c:pt idx="19">
+                  <c:v>9.0</c:v>
+                </c:pt>
+                <c:pt idx="20">
+                  <c:v>8.4</c:v>
+                </c:pt>
+                <c:pt idx="21">
+                  <c:v>8.1</c:v>
+                </c:pt>
+                <c:pt idx="22">
+                  <c:v>7.9</c:v>
+                </c:pt>
+                <c:pt idx="23">
+                  <c:v>8.3</c:v>
+                </c:pt>
+                <c:pt idx="24">
+                  <c:v>8.7</c:v>
+                </c:pt>
+                <c:pt idx="25">
+                  <c:v>7.3</c:v>
+                </c:pt>
+                <c:pt idx="26">
                   <c:v>6.9</c:v>
                 </c:pt>
-                <c:pt idx="2">
+                <c:pt idx="27">
+                  <c:v>6.8</c:v>
+                </c:pt>
+                <c:pt idx="28">
                   <c:v>6.7</c:v>
                 </c:pt>
-                <c:pt idx="3">
-                  <c:v>6.8</c:v>
-                </c:pt>
-                <c:pt idx="4">
-                  <c:v>6.5</c:v>
-                </c:pt>
-                <c:pt idx="5">
-                  <c:v>6.5</c:v>
-                </c:pt>
-                <c:pt idx="6">
+                <c:pt idx="29">
+                  <c:v>6.1</c:v>
+                </c:pt>
+                <c:pt idx="30">
                   <c:v>6.4</c:v>
-                </c:pt>
-                <c:pt idx="7">
-                  <c:v>7.0</c:v>
-                </c:pt>
-                <c:pt idx="8">
-                  <c:v>7.2</c:v>
-                </c:pt>
-                <c:pt idx="9">
-                  <c:v>7.1</c:v>
-                </c:pt>
-                <c:pt idx="10">
-                  <c:v>7.2</c:v>
-                </c:pt>
-                <c:pt idx="11">
-                  <c:v>6.9</c:v>
-                </c:pt>
-                <c:pt idx="12">
-                  <c:v>6.7</c:v>
-                </c:pt>
-                <c:pt idx="13">
-                  <c:v>6.7</c:v>
-                </c:pt>
-                <c:pt idx="14">
-                  <c:v>7.3</c:v>
-                </c:pt>
-                <c:pt idx="15">
-                  <c:v>7.6</c:v>
-                </c:pt>
-                <c:pt idx="16">
-                  <c:v>7.6</c:v>
-                </c:pt>
-                <c:pt idx="17">
-                  <c:v>7.0</c:v>
-                </c:pt>
-                <c:pt idx="18">
-                  <c:v>7.3</c:v>
-                </c:pt>
-                <c:pt idx="19">
-                  <c:v>7.0</c:v>
-                </c:pt>
-                <c:pt idx="20">
-                  <c:v>7.0</c:v>
-                </c:pt>
-                <c:pt idx="21">
-                  <c:v>7.5</c:v>
-                </c:pt>
-                <c:pt idx="22">
-                  <c:v>7.7</c:v>
-                </c:pt>
-                <c:pt idx="23">
-                  <c:v>8.2</c:v>
-                </c:pt>
-                <c:pt idx="24">
-                  <c:v>10.3</c:v>
-                </c:pt>
-                <c:pt idx="25">
-                  <c:v>10.4</c:v>
-                </c:pt>
-                <c:pt idx="26">
-                  <c:v>10.1</c:v>
-                </c:pt>
-                <c:pt idx="27">
-                  <c:v>9.2</c:v>
-                </c:pt>
-                <c:pt idx="28">
-                  <c:v>7.7</c:v>
-                </c:pt>
-                <c:pt idx="29">
-                  <c:v>6.6</c:v>
-                </c:pt>
-                <c:pt idx="30">
-                  <c:v>7.7</c:v>
                 </c:pt>
               </c:numCache>
             </c:numRef>
@@ -561,97 +561,97 @@
                 <c:formatCode>General</c:formatCode>
                 <c:ptCount val="31"/>
                 <c:pt idx="0">
-                  <c:v>119.2</c:v>
+                  <c:v>122.2</c:v>
                 </c:pt>
                 <c:pt idx="1">
-                  <c:v>127.4</c:v>
+                  <c:v>114.7</c:v>
                 </c:pt>
                 <c:pt idx="2">
+                  <c:v>123.2</c:v>
+                </c:pt>
+                <c:pt idx="3">
+                  <c:v>128.7</c:v>
+                </c:pt>
+                <c:pt idx="4">
+                  <c:v>125.5</c:v>
+                </c:pt>
+                <c:pt idx="5">
+                  <c:v>126.4</c:v>
+                </c:pt>
+                <c:pt idx="6">
+                  <c:v>118.4</c:v>
+                </c:pt>
+                <c:pt idx="7">
+                  <c:v>109.7</c:v>
+                </c:pt>
+                <c:pt idx="8">
                   <c:v>125.4</c:v>
                 </c:pt>
-                <c:pt idx="3">
-                  <c:v>127.5</c:v>
-                </c:pt>
-                <c:pt idx="4">
-                  <c:v>113.2</c:v>
-                </c:pt>
-                <c:pt idx="5">
-                  <c:v>105.0</c:v>
-                </c:pt>
-                <c:pt idx="6">
-                  <c:v>122.2</c:v>
-                </c:pt>
-                <c:pt idx="7">
-                  <c:v>129.5</c:v>
-                </c:pt>
-                <c:pt idx="8">
-                  <c:v>126.4</c:v>
-                </c:pt>
                 <c:pt idx="9">
+                  <c:v>132.9</c:v>
+                </c:pt>
+                <c:pt idx="10">
+                  <c:v>138.2</c:v>
+                </c:pt>
+                <c:pt idx="11">
+                  <c:v>140.2</c:v>
+                </c:pt>
+                <c:pt idx="12">
+                  <c:v>141.3</c:v>
+                </c:pt>
+                <c:pt idx="13">
+                  <c:v>126.0</c:v>
+                </c:pt>
+                <c:pt idx="14">
+                  <c:v>111.8</c:v>
+                </c:pt>
+                <c:pt idx="15">
                   <c:v>132.1</c:v>
                 </c:pt>
-                <c:pt idx="10">
-                  <c:v>137.9</c:v>
-                </c:pt>
-                <c:pt idx="11">
-                  <c:v>117.4</c:v>
-                </c:pt>
-                <c:pt idx="12">
-                  <c:v>105.6</c:v>
-                </c:pt>
-                <c:pt idx="13">
-                  <c:v>123.6</c:v>
-                </c:pt>
-                <c:pt idx="14">
-                  <c:v>129.4</c:v>
-                </c:pt>
-                <c:pt idx="15">
-                  <c:v>131.8</c:v>
-                </c:pt>
                 <c:pt idx="16">
-                  <c:v>134.1</c:v>
+                  <c:v>138.2</c:v>
                 </c:pt>
                 <c:pt idx="17">
-                  <c:v>134.8</c:v>
+                  <c:v>147.3</c:v>
                 </c:pt>
                 <c:pt idx="18">
-                  <c:v>121.9</c:v>
+                  <c:v>150.2</c:v>
                 </c:pt>
                 <c:pt idx="19">
-                  <c:v>110.3</c:v>
+                  <c:v>147.9</c:v>
                 </c:pt>
                 <c:pt idx="20">
-                  <c:v>126.7</c:v>
+                  <c:v>127.8</c:v>
                 </c:pt>
                 <c:pt idx="21">
-                  <c:v>131.4</c:v>
+                  <c:v>116.8</c:v>
                 </c:pt>
                 <c:pt idx="22">
-                  <c:v>132.3</c:v>
+                  <c:v>135.3</c:v>
                 </c:pt>
                 <c:pt idx="23">
-                  <c:v>141.7</c:v>
+                  <c:v>134.0</c:v>
                 </c:pt>
                 <c:pt idx="24">
-                  <c:v>160.6</c:v>
+                  <c:v>143.7</c:v>
                 </c:pt>
                 <c:pt idx="25">
-                  <c:v>129.5</c:v>
+                  <c:v>32.9</c:v>
                 </c:pt>
                 <c:pt idx="26">
-                  <c:v>113.8</c:v>
+                  <c:v>0.0</c:v>
                 </c:pt>
                 <c:pt idx="27">
-                  <c:v>123.0</c:v>
+                  <c:v>0.0</c:v>
                 </c:pt>
                 <c:pt idx="28">
-                  <c:v>124.5</c:v>
+                  <c:v>0.0</c:v>
                 </c:pt>
                 <c:pt idx="29">
-                  <c:v>10.7</c:v>
+                  <c:v>0.0</c:v>
                 </c:pt>
                 <c:pt idx="30">
-                  <c:v>125.8</c:v>
+                  <c:v>0.0</c:v>
                 </c:pt>
               </c:numCache>
             </c:numRef>
@@ -743,18 +743,54 @@
           </c:tx>
           <c:cat>
             <c:strRef>
-              <c:f>Sheet1!$A$2:$A$1</c:f>
+              <c:f>Sheet1!$A$2:$A$7</c:f>
               <c:strCache>
-                <c:ptCount val="0"/>
+                <c:ptCount val="6"/>
+                <c:pt idx="0">
+                  <c:v>HKGSM</c:v>
+                </c:pt>
+                <c:pt idx="1">
+                  <c:v>USAW6</c:v>
+                </c:pt>
+                <c:pt idx="2">
+                  <c:v>HKGPP</c:v>
+                </c:pt>
+                <c:pt idx="3">
+                  <c:v>MACCT</c:v>
+                </c:pt>
+                <c:pt idx="4">
+                  <c:v>KORSK</c:v>
+                </c:pt>
+                <c:pt idx="5">
+                  <c:v>Others</c:v>
+                </c:pt>
               </c:strCache>
             </c:strRef>
           </c:cat>
           <c:val>
             <c:numRef>
-              <c:f>Sheet1!$B$2:$B$1</c:f>
+              <c:f>Sheet1!$B$2:$B$7</c:f>
               <c:numCache>
                 <c:formatCode>General</c:formatCode>
-                <c:ptCount val="0"/>
+                <c:ptCount val="6"/>
+                <c:pt idx="0">
+                  <c:v>0.05</c:v>
+                </c:pt>
+                <c:pt idx="1">
+                  <c:v>0.05</c:v>
+                </c:pt>
+                <c:pt idx="2">
+                  <c:v>0.06</c:v>
+                </c:pt>
+                <c:pt idx="3">
+                  <c:v>0.06</c:v>
+                </c:pt>
+                <c:pt idx="4">
+                  <c:v>0.08</c:v>
+                </c:pt>
+                <c:pt idx="5">
+                  <c:v>0.7</c:v>
+                </c:pt>
               </c:numCache>
             </c:numRef>
           </c:val>
@@ -836,32 +872,50 @@
               <c:strCache>
                 <c:ptCount val="6"/>
                 <c:pt idx="0">
-                  <c:v>BJ</c:v>
+                  <c:v>JiangSu</c:v>
                 </c:pt>
                 <c:pt idx="1">
-                  <c:v>GD</c:v>
+                  <c:v>FuJian</c:v>
                 </c:pt>
                 <c:pt idx="2">
-                  <c:v>SH</c:v>
+                  <c:v>BeiJing</c:v>
                 </c:pt>
                 <c:pt idx="3">
-                  <c:v>JS</c:v>
+                  <c:v>ShangHai</c:v>
                 </c:pt>
                 <c:pt idx="4">
-                  <c:v>ZJ</c:v>
+                  <c:v>Others</c:v>
                 </c:pt>
                 <c:pt idx="5">
-                  <c:v>Others</c:v>
+                  <c:v>GuangDong</c:v>
                 </c:pt>
               </c:strCache>
             </c:strRef>
           </c:cat>
           <c:val>
             <c:numRef>
-              <c:f>Sheet1!$B$2:$B$1</c:f>
+              <c:f>Sheet1!$B$2:$B$7</c:f>
               <c:numCache>
                 <c:formatCode>General</c:formatCode>
-                <c:ptCount val="0"/>
+                <c:ptCount val="6"/>
+                <c:pt idx="0">
+                  <c:v>0.04</c:v>
+                </c:pt>
+                <c:pt idx="1">
+                  <c:v>0.05</c:v>
+                </c:pt>
+                <c:pt idx="2">
+                  <c:v>0.08</c:v>
+                </c:pt>
+                <c:pt idx="3">
+                  <c:v>0.15</c:v>
+                </c:pt>
+                <c:pt idx="4">
+                  <c:v>0.18</c:v>
+                </c:pt>
+                <c:pt idx="5">
+                  <c:v>0.5</c:v>
+                </c:pt>
               </c:numCache>
             </c:numRef>
           </c:val>
@@ -1048,97 +1102,97 @@
                 <c:formatCode>General</c:formatCode>
                 <c:ptCount val="31"/>
                 <c:pt idx="0">
-                  <c:v>4.0</c:v>
+                  <c:v>5.4</c:v>
                 </c:pt>
                 <c:pt idx="1">
+                  <c:v>3.3</c:v>
+                </c:pt>
+                <c:pt idx="2">
                   <c:v>4.1</c:v>
                 </c:pt>
-                <c:pt idx="2">
-                  <c:v>3.9</c:v>
-                </c:pt>
                 <c:pt idx="3">
-                  <c:v>4.0</c:v>
+                  <c:v>4.5</c:v>
                 </c:pt>
                 <c:pt idx="4">
-                  <c:v>3.8</c:v>
+                  <c:v>4.8</c:v>
                 </c:pt>
                 <c:pt idx="5">
-                  <c:v>3.8</c:v>
+                  <c:v>4.7</c:v>
                 </c:pt>
                 <c:pt idx="6">
-                  <c:v>3.5</c:v>
+                  <c:v>4.6</c:v>
                 </c:pt>
                 <c:pt idx="7">
-                  <c:v>4.2</c:v>
+                  <c:v>4.4</c:v>
                 </c:pt>
                 <c:pt idx="8">
-                  <c:v>4.6</c:v>
+                  <c:v>4.3</c:v>
                 </c:pt>
                 <c:pt idx="9">
-                  <c:v>4.7</c:v>
+                  <c:v>5.1</c:v>
                 </c:pt>
                 <c:pt idx="10">
-                  <c:v>4.5</c:v>
+                  <c:v>5.6</c:v>
                 </c:pt>
                 <c:pt idx="11">
-                  <c:v>4.2</c:v>
+                  <c:v>5.7</c:v>
                 </c:pt>
                 <c:pt idx="12">
-                  <c:v>4.1</c:v>
+                  <c:v>5.8</c:v>
                 </c:pt>
                 <c:pt idx="13">
-                  <c:v>3.9</c:v>
+                  <c:v>6.0</c:v>
                 </c:pt>
                 <c:pt idx="14">
-                  <c:v>4.6</c:v>
+                  <c:v>4.9</c:v>
                 </c:pt>
                 <c:pt idx="15">
                   <c:v>4.9</c:v>
                 </c:pt>
                 <c:pt idx="16">
-                  <c:v>4.9</c:v>
+                  <c:v>5.8</c:v>
                 </c:pt>
                 <c:pt idx="17">
-                  <c:v>4.5</c:v>
+                  <c:v>6.0</c:v>
                 </c:pt>
                 <c:pt idx="18">
+                  <c:v>6.1</c:v>
+                </c:pt>
+                <c:pt idx="19">
+                  <c:v>6.1</c:v>
+                </c:pt>
+                <c:pt idx="20">
+                  <c:v>5.3</c:v>
+                </c:pt>
+                <c:pt idx="21">
+                  <c:v>5.2</c:v>
+                </c:pt>
+                <c:pt idx="22">
+                  <c:v>4.8</c:v>
+                </c:pt>
+                <c:pt idx="23">
+                  <c:v>5.3</c:v>
+                </c:pt>
+                <c:pt idx="24">
+                  <c:v>5.7</c:v>
+                </c:pt>
+                <c:pt idx="25">
+                  <c:v>5.6</c:v>
+                </c:pt>
+                <c:pt idx="26">
+                  <c:v>5.6</c:v>
+                </c:pt>
+                <c:pt idx="27">
+                  <c:v>5.4</c:v>
+                </c:pt>
+                <c:pt idx="28">
+                  <c:v>5.2</c:v>
+                </c:pt>
+                <c:pt idx="29">
                   <c:v>4.6</c:v>
                 </c:pt>
-                <c:pt idx="19">
-                  <c:v>4.5</c:v>
-                </c:pt>
-                <c:pt idx="20">
-                  <c:v>4.4</c:v>
-                </c:pt>
-                <c:pt idx="21">
-                  <c:v>4.9</c:v>
-                </c:pt>
-                <c:pt idx="22">
-                  <c:v>5.2</c:v>
-                </c:pt>
-                <c:pt idx="23">
-                  <c:v>5.6</c:v>
-                </c:pt>
-                <c:pt idx="24">
-                  <c:v>6.9</c:v>
-                </c:pt>
-                <c:pt idx="25">
-                  <c:v>7.3</c:v>
-                </c:pt>
-                <c:pt idx="26">
-                  <c:v>7.0</c:v>
-                </c:pt>
-                <c:pt idx="27">
-                  <c:v>6.2</c:v>
-                </c:pt>
-                <c:pt idx="28">
-                  <c:v>5.1</c:v>
-                </c:pt>
-                <c:pt idx="29">
-                  <c:v>5.4</c:v>
-                </c:pt>
                 <c:pt idx="30">
-                  <c:v>5.3</c:v>
+                  <c:v>5.0</c:v>
                 </c:pt>
               </c:numCache>
             </c:numRef>
@@ -1230,18 +1284,54 @@
           </c:tx>
           <c:cat>
             <c:strRef>
-              <c:f>Sheet1!$A$2:$A$1</c:f>
+              <c:f>Sheet1!$A$2:$A$7</c:f>
               <c:strCache>
-                <c:ptCount val="0"/>
+                <c:ptCount val="6"/>
+                <c:pt idx="0">
+                  <c:v>Others</c:v>
+                </c:pt>
+                <c:pt idx="1">
+                  <c:v>TWNLD</c:v>
+                </c:pt>
+                <c:pt idx="2">
+                  <c:v>TWNFE</c:v>
+                </c:pt>
+                <c:pt idx="3">
+                  <c:v>USAW6</c:v>
+                </c:pt>
+                <c:pt idx="4">
+                  <c:v>KORKF</c:v>
+                </c:pt>
+                <c:pt idx="5">
+                  <c:v>HKGPP</c:v>
+                </c:pt>
               </c:strCache>
             </c:strRef>
           </c:cat>
           <c:val>
             <c:numRef>
-              <c:f>Sheet1!$B$2:$B$1</c:f>
+              <c:f>Sheet1!$B$2:$B$7</c:f>
               <c:numCache>
                 <c:formatCode>General</c:formatCode>
-                <c:ptCount val="0"/>
+                <c:ptCount val="6"/>
+                <c:pt idx="0">
+                  <c:v>-0.15</c:v>
+                </c:pt>
+                <c:pt idx="1">
+                  <c:v>0.07</c:v>
+                </c:pt>
+                <c:pt idx="2">
+                  <c:v>0.1</c:v>
+                </c:pt>
+                <c:pt idx="3">
+                  <c:v>0.14</c:v>
+                </c:pt>
+                <c:pt idx="4">
+                  <c:v>0.36</c:v>
+                </c:pt>
+                <c:pt idx="5">
+                  <c:v>0.48</c:v>
+                </c:pt>
               </c:numCache>
             </c:numRef>
           </c:val>
@@ -1323,32 +1413,50 @@
               <c:strCache>
                 <c:ptCount val="6"/>
                 <c:pt idx="0">
-                  <c:v>BJ</c:v>
+                  <c:v>HeNan</c:v>
                 </c:pt>
                 <c:pt idx="1">
-                  <c:v>GD</c:v>
+                  <c:v>SiChuan</c:v>
                 </c:pt>
                 <c:pt idx="2">
-                  <c:v>SH</c:v>
+                  <c:v>LiaoNing</c:v>
                 </c:pt>
                 <c:pt idx="3">
-                  <c:v>JS</c:v>
+                  <c:v>BeiJing</c:v>
                 </c:pt>
                 <c:pt idx="4">
-                  <c:v>ZJ</c:v>
+                  <c:v>Others</c:v>
                 </c:pt>
                 <c:pt idx="5">
-                  <c:v>Others</c:v>
+                  <c:v>ShangHai</c:v>
                 </c:pt>
               </c:strCache>
             </c:strRef>
           </c:cat>
           <c:val>
             <c:numRef>
-              <c:f>Sheet1!$B$2:$B$1</c:f>
+              <c:f>Sheet1!$B$2:$B$7</c:f>
               <c:numCache>
                 <c:formatCode>General</c:formatCode>
-                <c:ptCount val="0"/>
+                <c:ptCount val="6"/>
+                <c:pt idx="0">
+                  <c:v>0.07</c:v>
+                </c:pt>
+                <c:pt idx="1">
+                  <c:v>0.09</c:v>
+                </c:pt>
+                <c:pt idx="2">
+                  <c:v>0.11</c:v>
+                </c:pt>
+                <c:pt idx="3">
+                  <c:v>0.12</c:v>
+                </c:pt>
+                <c:pt idx="4">
+                  <c:v>0.2</c:v>
+                </c:pt>
+                <c:pt idx="5">
+                  <c:v>0.41</c:v>
+                </c:pt>
               </c:numCache>
             </c:numRef>
           </c:val>
@@ -1535,97 +1643,97 @@
                 <c:formatCode>General</c:formatCode>
                 <c:ptCount val="31"/>
                 <c:pt idx="0">
+                  <c:v>8.0</c:v>
+                </c:pt>
+                <c:pt idx="1">
+                  <c:v>7.4</c:v>
+                </c:pt>
+                <c:pt idx="2">
+                  <c:v>8.0</c:v>
+                </c:pt>
+                <c:pt idx="3">
+                  <c:v>7.8</c:v>
+                </c:pt>
+                <c:pt idx="4">
+                  <c:v>7.7</c:v>
+                </c:pt>
+                <c:pt idx="5">
+                  <c:v>8.0</c:v>
+                </c:pt>
+                <c:pt idx="6">
+                  <c:v>7.1</c:v>
+                </c:pt>
+                <c:pt idx="7">
                   <c:v>6.6</c:v>
                 </c:pt>
-                <c:pt idx="1">
-                  <c:v>6.6</c:v>
-                </c:pt>
-                <c:pt idx="2">
+                <c:pt idx="8">
+                  <c:v>7.7</c:v>
+                </c:pt>
+                <c:pt idx="9">
+                  <c:v>8.0</c:v>
+                </c:pt>
+                <c:pt idx="10">
+                  <c:v>8.2</c:v>
+                </c:pt>
+                <c:pt idx="11">
+                  <c:v>8.3</c:v>
+                </c:pt>
+                <c:pt idx="12">
+                  <c:v>8.4</c:v>
+                </c:pt>
+                <c:pt idx="13">
+                  <c:v>7.3</c:v>
+                </c:pt>
+                <c:pt idx="14">
+                  <c:v>6.9</c:v>
+                </c:pt>
+                <c:pt idx="15">
+                  <c:v>7.8</c:v>
+                </c:pt>
+                <c:pt idx="16">
+                  <c:v>8.2</c:v>
+                </c:pt>
+                <c:pt idx="17">
+                  <c:v>8.4</c:v>
+                </c:pt>
+                <c:pt idx="18">
+                  <c:v>8.7</c:v>
+                </c:pt>
+                <c:pt idx="19">
+                  <c:v>8.7</c:v>
+                </c:pt>
+                <c:pt idx="20">
+                  <c:v>7.4</c:v>
+                </c:pt>
+                <c:pt idx="21">
+                  <c:v>6.8</c:v>
+                </c:pt>
+                <c:pt idx="22">
+                  <c:v>8.2</c:v>
+                </c:pt>
+                <c:pt idx="23">
+                  <c:v>8.3</c:v>
+                </c:pt>
+                <c:pt idx="24">
+                  <c:v>8.5</c:v>
+                </c:pt>
+                <c:pt idx="25">
+                  <c:v>8.8</c:v>
+                </c:pt>
+                <c:pt idx="26">
+                  <c:v>8.7</c:v>
+                </c:pt>
+                <c:pt idx="27">
+                  <c:v>7.4</c:v>
+                </c:pt>
+                <c:pt idx="28">
                   <c:v>6.7</c:v>
                 </c:pt>
-                <c:pt idx="3">
-                  <c:v>7.0</c:v>
-                </c:pt>
-                <c:pt idx="4">
-                  <c:v>6.3</c:v>
-                </c:pt>
-                <c:pt idx="5">
-                  <c:v>5.9</c:v>
-                </c:pt>
-                <c:pt idx="6">
-                  <c:v>6.8</c:v>
-                </c:pt>
-                <c:pt idx="7">
-                  <c:v>6.8</c:v>
-                </c:pt>
-                <c:pt idx="8">
-                  <c:v>6.8</c:v>
-                </c:pt>
-                <c:pt idx="9">
-                  <c:v>7.0</c:v>
-                </c:pt>
-                <c:pt idx="10">
+                <c:pt idx="29">
                   <c:v>7.1</c:v>
                 </c:pt>
-                <c:pt idx="11">
-                  <c:v>6.3</c:v>
-                </c:pt>
-                <c:pt idx="12">
-                  <c:v>5.9</c:v>
-                </c:pt>
-                <c:pt idx="13">
-                  <c:v>7.0</c:v>
-                </c:pt>
-                <c:pt idx="14">
-                  <c:v>7.2</c:v>
-                </c:pt>
-                <c:pt idx="15">
-                  <c:v>7.4</c:v>
-                </c:pt>
-                <c:pt idx="16">
-                  <c:v>7.7</c:v>
-                </c:pt>
-                <c:pt idx="17">
-                  <c:v>8.0</c:v>
-                </c:pt>
-                <c:pt idx="18">
-                  <c:v>7.2</c:v>
-                </c:pt>
-                <c:pt idx="19">
-                  <c:v>6.8</c:v>
-                </c:pt>
-                <c:pt idx="20">
-                  <c:v>7.8</c:v>
-                </c:pt>
-                <c:pt idx="21">
-                  <c:v>7.9</c:v>
-                </c:pt>
-                <c:pt idx="22">
-                  <c:v>7.7</c:v>
-                </c:pt>
-                <c:pt idx="23">
-                  <c:v>7.7</c:v>
-                </c:pt>
-                <c:pt idx="24">
-                  <c:v>7.7</c:v>
-                </c:pt>
-                <c:pt idx="25">
-                  <c:v>6.7</c:v>
-                </c:pt>
-                <c:pt idx="26">
-                  <c:v>6.2</c:v>
-                </c:pt>
-                <c:pt idx="27">
-                  <c:v>7.2</c:v>
-                </c:pt>
-                <c:pt idx="28">
-                  <c:v>7.4</c:v>
-                </c:pt>
-                <c:pt idx="29">
-                  <c:v>7.6</c:v>
-                </c:pt>
                 <c:pt idx="30">
-                  <c:v>7.8</c:v>
+                  <c:v>5.1</c:v>
                 </c:pt>
               </c:numCache>
             </c:numRef>
@@ -1717,18 +1825,54 @@
           </c:tx>
           <c:cat>
             <c:strRef>
-              <c:f>Sheet1!$A$2:$A$1</c:f>
+              <c:f>Sheet1!$A$2:$A$7</c:f>
               <c:strCache>
-                <c:ptCount val="0"/>
+                <c:ptCount val="6"/>
+                <c:pt idx="0">
+                  <c:v>Others</c:v>
+                </c:pt>
+                <c:pt idx="1">
+                  <c:v>MACCT</c:v>
+                </c:pt>
+                <c:pt idx="2">
+                  <c:v>ITAOM</c:v>
+                </c:pt>
+                <c:pt idx="3">
+                  <c:v>HKGSM</c:v>
+                </c:pt>
+                <c:pt idx="4">
+                  <c:v>JPNDO</c:v>
+                </c:pt>
+                <c:pt idx="5">
+                  <c:v>JPNJP</c:v>
+                </c:pt>
               </c:strCache>
             </c:strRef>
           </c:cat>
           <c:val>
             <c:numRef>
-              <c:f>Sheet1!$B$2:$B$1</c:f>
+              <c:f>Sheet1!$B$2:$B$7</c:f>
               <c:numCache>
                 <c:formatCode>General</c:formatCode>
-                <c:ptCount val="0"/>
+                <c:ptCount val="6"/>
+                <c:pt idx="0">
+                  <c:v>-23.86</c:v>
+                </c:pt>
+                <c:pt idx="1">
+                  <c:v>2.02</c:v>
+                </c:pt>
+                <c:pt idx="2">
+                  <c:v>2.18</c:v>
+                </c:pt>
+                <c:pt idx="3">
+                  <c:v>5.11</c:v>
+                </c:pt>
+                <c:pt idx="4">
+                  <c:v>6.88</c:v>
+                </c:pt>
+                <c:pt idx="5">
+                  <c:v>8.67</c:v>
+                </c:pt>
               </c:numCache>
             </c:numRef>
           </c:val>
@@ -1810,32 +1954,50 @@
               <c:strCache>
                 <c:ptCount val="6"/>
                 <c:pt idx="0">
-                  <c:v>BJ</c:v>
+                  <c:v>Others</c:v>
                 </c:pt>
                 <c:pt idx="1">
-                  <c:v>GD</c:v>
+                  <c:v>ShanXi1</c:v>
                 </c:pt>
                 <c:pt idx="2">
-                  <c:v>SH</c:v>
+                  <c:v>SiChuan</c:v>
                 </c:pt>
                 <c:pt idx="3">
-                  <c:v>JS</c:v>
+                  <c:v>JiangSu</c:v>
                 </c:pt>
                 <c:pt idx="4">
-                  <c:v>ZJ</c:v>
+                  <c:v>BeiJing</c:v>
                 </c:pt>
                 <c:pt idx="5">
-                  <c:v>Others</c:v>
+                  <c:v>GuangXi</c:v>
                 </c:pt>
               </c:strCache>
             </c:strRef>
           </c:cat>
           <c:val>
             <c:numRef>
-              <c:f>Sheet1!$B$2:$B$1</c:f>
+              <c:f>Sheet1!$B$2:$B$7</c:f>
               <c:numCache>
                 <c:formatCode>General</c:formatCode>
-                <c:ptCount val="0"/>
+                <c:ptCount val="6"/>
+                <c:pt idx="0">
+                  <c:v>-3.55</c:v>
+                </c:pt>
+                <c:pt idx="1">
+                  <c:v>0.28</c:v>
+                </c:pt>
+                <c:pt idx="2">
+                  <c:v>0.7</c:v>
+                </c:pt>
+                <c:pt idx="3">
+                  <c:v>0.98</c:v>
+                </c:pt>
+                <c:pt idx="4">
+                  <c:v>1.16</c:v>
+                </c:pt>
+                <c:pt idx="5">
+                  <c:v>1.43</c:v>
+                </c:pt>
               </c:numCache>
             </c:numRef>
           </c:val>
@@ -2022,97 +2184,97 @@
                 <c:formatCode>General</c:formatCode>
                 <c:ptCount val="31"/>
                 <c:pt idx="0">
-                  <c:v>48.2</c:v>
+                  <c:v>59.3</c:v>
                 </c:pt>
                 <c:pt idx="1">
+                  <c:v>55.2</c:v>
+                </c:pt>
+                <c:pt idx="2">
+                  <c:v>55.2</c:v>
+                </c:pt>
+                <c:pt idx="3">
+                  <c:v>53.7</c:v>
+                </c:pt>
+                <c:pt idx="4">
+                  <c:v>54.0</c:v>
+                </c:pt>
+                <c:pt idx="5">
+                  <c:v>55.0</c:v>
+                </c:pt>
+                <c:pt idx="6">
+                  <c:v>53.5</c:v>
+                </c:pt>
+                <c:pt idx="7">
+                  <c:v>51.7</c:v>
+                </c:pt>
+                <c:pt idx="8">
+                  <c:v>54.4</c:v>
+                </c:pt>
+                <c:pt idx="9">
+                  <c:v>55.0</c:v>
+                </c:pt>
+                <c:pt idx="10">
+                  <c:v>55.8</c:v>
+                </c:pt>
+                <c:pt idx="11">
+                  <c:v>56.5</c:v>
+                </c:pt>
+                <c:pt idx="12">
+                  <c:v>57.5</c:v>
+                </c:pt>
+                <c:pt idx="13">
+                  <c:v>54.5</c:v>
+                </c:pt>
+                <c:pt idx="14">
+                  <c:v>53.0</c:v>
+                </c:pt>
+                <c:pt idx="15">
+                  <c:v>55.5</c:v>
+                </c:pt>
+                <c:pt idx="16">
+                  <c:v>55.5</c:v>
+                </c:pt>
+                <c:pt idx="17">
+                  <c:v>56.4</c:v>
+                </c:pt>
+                <c:pt idx="18">
+                  <c:v>57.9</c:v>
+                </c:pt>
+                <c:pt idx="19">
+                  <c:v>57.3</c:v>
+                </c:pt>
+                <c:pt idx="20">
+                  <c:v>54.3</c:v>
+                </c:pt>
+                <c:pt idx="21">
+                  <c:v>52.7</c:v>
+                </c:pt>
+                <c:pt idx="22">
+                  <c:v>55.5</c:v>
+                </c:pt>
+                <c:pt idx="23">
+                  <c:v>55.6</c:v>
+                </c:pt>
+                <c:pt idx="24">
+                  <c:v>56.4</c:v>
+                </c:pt>
+                <c:pt idx="25">
+                  <c:v>56.6</c:v>
+                </c:pt>
+                <c:pt idx="26">
+                  <c:v>56.0</c:v>
+                </c:pt>
+                <c:pt idx="27">
+                  <c:v>50.7</c:v>
+                </c:pt>
+                <c:pt idx="28">
                   <c:v>48.3</c:v>
                 </c:pt>
-                <c:pt idx="2">
-                  <c:v>49.2</c:v>
-                </c:pt>
-                <c:pt idx="3">
-                  <c:v>50.6</c:v>
-                </c:pt>
-                <c:pt idx="4">
-                  <c:v>50.0</c:v>
-                </c:pt>
-                <c:pt idx="5">
-                  <c:v>47.2</c:v>
-                </c:pt>
-                <c:pt idx="6">
-                  <c:v>49.8</c:v>
-                </c:pt>
-                <c:pt idx="7">
-                  <c:v>49.6</c:v>
-                </c:pt>
-                <c:pt idx="8">
-                  <c:v>49.6</c:v>
-                </c:pt>
-                <c:pt idx="9">
-                  <c:v>50.1</c:v>
-                </c:pt>
-                <c:pt idx="10">
-                  <c:v>51.8</c:v>
-                </c:pt>
-                <c:pt idx="11">
-                  <c:v>50.1</c:v>
-                </c:pt>
-                <c:pt idx="12">
-                  <c:v>48.1</c:v>
-                </c:pt>
-                <c:pt idx="13">
-                  <c:v>51.3</c:v>
-                </c:pt>
-                <c:pt idx="14">
-                  <c:v>52.0</c:v>
-                </c:pt>
-                <c:pt idx="15">
-                  <c:v>53.0</c:v>
-                </c:pt>
-                <c:pt idx="16">
-                  <c:v>53.6</c:v>
-                </c:pt>
-                <c:pt idx="17">
-                  <c:v>54.9</c:v>
-                </c:pt>
-                <c:pt idx="18">
-                  <c:v>53.3</c:v>
-                </c:pt>
-                <c:pt idx="19">
-                  <c:v>51.4</c:v>
-                </c:pt>
-                <c:pt idx="20">
-                  <c:v>54.0</c:v>
-                </c:pt>
-                <c:pt idx="21">
-                  <c:v>54.1</c:v>
-                </c:pt>
-                <c:pt idx="22">
-                  <c:v>53.5</c:v>
-                </c:pt>
-                <c:pt idx="23">
-                  <c:v>53.2</c:v>
-                </c:pt>
-                <c:pt idx="24">
-                  <c:v>53.1</c:v>
-                </c:pt>
-                <c:pt idx="25">
-                  <c:v>50.6</c:v>
-                </c:pt>
-                <c:pt idx="26">
-                  <c:v>48.5</c:v>
-                </c:pt>
-                <c:pt idx="27">
-                  <c:v>51.2</c:v>
-                </c:pt>
-                <c:pt idx="28">
-                  <c:v>52.8</c:v>
-                </c:pt>
                 <c:pt idx="29">
-                  <c:v>53.5</c:v>
+                  <c:v>48.6</c:v>
                 </c:pt>
                 <c:pt idx="30">
-                  <c:v>53.5</c:v>
+                  <c:v>35.0</c:v>
                 </c:pt>
               </c:numCache>
             </c:numRef>
@@ -2204,18 +2366,54 @@
           </c:tx>
           <c:cat>
             <c:strRef>
-              <c:f>Sheet1!$A$2:$A$1</c:f>
+              <c:f>Sheet1!$A$2:$A$7</c:f>
               <c:strCache>
-                <c:ptCount val="0"/>
+                <c:ptCount val="6"/>
+                <c:pt idx="0">
+                  <c:v>Others</c:v>
+                </c:pt>
+                <c:pt idx="1">
+                  <c:v>TWNLD</c:v>
+                </c:pt>
+                <c:pt idx="2">
+                  <c:v>USACG</c:v>
+                </c:pt>
+                <c:pt idx="3">
+                  <c:v>MACCT</c:v>
+                </c:pt>
+                <c:pt idx="4">
+                  <c:v>USAW6</c:v>
+                </c:pt>
+                <c:pt idx="5">
+                  <c:v>KORKF</c:v>
+                </c:pt>
               </c:strCache>
             </c:strRef>
           </c:cat>
           <c:val>
             <c:numRef>
-              <c:f>Sheet1!$B$2:$B$1</c:f>
+              <c:f>Sheet1!$B$2:$B$7</c:f>
               <c:numCache>
                 <c:formatCode>General</c:formatCode>
-                <c:ptCount val="0"/>
+                <c:ptCount val="6"/>
+                <c:pt idx="0">
+                  <c:v>-4.51</c:v>
+                </c:pt>
+                <c:pt idx="1">
+                  <c:v>0.38</c:v>
+                </c:pt>
+                <c:pt idx="2">
+                  <c:v>0.44</c:v>
+                </c:pt>
+                <c:pt idx="3">
+                  <c:v>0.48</c:v>
+                </c:pt>
+                <c:pt idx="4">
+                  <c:v>1.83</c:v>
+                </c:pt>
+                <c:pt idx="5">
+                  <c:v>2.38</c:v>
+                </c:pt>
               </c:numCache>
             </c:numRef>
           </c:val>
@@ -2293,18 +2491,54 @@
           </c:tx>
           <c:cat>
             <c:strRef>
-              <c:f>Sheet1!$A$2:$A$1</c:f>
+              <c:f>Sheet1!$A$2:$A$7</c:f>
               <c:strCache>
-                <c:ptCount val="0"/>
+                <c:ptCount val="6"/>
+                <c:pt idx="0">
+                  <c:v>Others</c:v>
+                </c:pt>
+                <c:pt idx="1">
+                  <c:v>THACT</c:v>
+                </c:pt>
+                <c:pt idx="2">
+                  <c:v>JPNJP</c:v>
+                </c:pt>
+                <c:pt idx="3">
+                  <c:v>JPNDO</c:v>
+                </c:pt>
+                <c:pt idx="4">
+                  <c:v>HKGSM</c:v>
+                </c:pt>
+                <c:pt idx="5">
+                  <c:v>THAWP</c:v>
+                </c:pt>
               </c:strCache>
             </c:strRef>
           </c:cat>
           <c:val>
             <c:numRef>
-              <c:f>Sheet1!$B$2:$B$1</c:f>
+              <c:f>Sheet1!$B$2:$B$7</c:f>
               <c:numCache>
                 <c:formatCode>General</c:formatCode>
-                <c:ptCount val="0"/>
+                <c:ptCount val="6"/>
+                <c:pt idx="0">
+                  <c:v>-5.08</c:v>
+                </c:pt>
+                <c:pt idx="1">
+                  <c:v>0.69</c:v>
+                </c:pt>
+                <c:pt idx="2">
+                  <c:v>0.97</c:v>
+                </c:pt>
+                <c:pt idx="3">
+                  <c:v>1.19</c:v>
+                </c:pt>
+                <c:pt idx="4">
+                  <c:v>1.55</c:v>
+                </c:pt>
+                <c:pt idx="5">
+                  <c:v>1.68</c:v>
+                </c:pt>
               </c:numCache>
             </c:numRef>
           </c:val>
@@ -2386,32 +2620,50 @@
               <c:strCache>
                 <c:ptCount val="6"/>
                 <c:pt idx="0">
-                  <c:v>BJ</c:v>
+                  <c:v>Others</c:v>
                 </c:pt>
                 <c:pt idx="1">
-                  <c:v>GD</c:v>
+                  <c:v>BeiJing</c:v>
                 </c:pt>
                 <c:pt idx="2">
-                  <c:v>SH</c:v>
+                  <c:v>SiChuan</c:v>
                 </c:pt>
                 <c:pt idx="3">
-                  <c:v>JS</c:v>
+                  <c:v>JiangSu</c:v>
                 </c:pt>
                 <c:pt idx="4">
-                  <c:v>ZJ</c:v>
+                  <c:v>GuangXi</c:v>
                 </c:pt>
                 <c:pt idx="5">
-                  <c:v>Others</c:v>
+                  <c:v>ZheJiang</c:v>
                 </c:pt>
               </c:strCache>
             </c:strRef>
           </c:cat>
           <c:val>
             <c:numRef>
-              <c:f>Sheet1!$B$2:$B$1</c:f>
+              <c:f>Sheet1!$B$2:$B$7</c:f>
               <c:numCache>
                 <c:formatCode>General</c:formatCode>
-                <c:ptCount val="0"/>
+                <c:ptCount val="6"/>
+                <c:pt idx="0">
+                  <c:v>-0.64</c:v>
+                </c:pt>
+                <c:pt idx="1">
+                  <c:v>0.27</c:v>
+                </c:pt>
+                <c:pt idx="2">
+                  <c:v>0.28</c:v>
+                </c:pt>
+                <c:pt idx="3">
+                  <c:v>0.32</c:v>
+                </c:pt>
+                <c:pt idx="4">
+                  <c:v>0.37</c:v>
+                </c:pt>
+                <c:pt idx="5">
+                  <c:v>0.4</c:v>
+                </c:pt>
               </c:numCache>
             </c:numRef>
           </c:val>
@@ -2598,97 +2850,97 @@
                 <c:formatCode>General</c:formatCode>
                 <c:ptCount val="31"/>
                 <c:pt idx="0">
-                  <c:v>139.8</c:v>
+                  <c:v>114.0</c:v>
                 </c:pt>
                 <c:pt idx="1">
-                  <c:v>143.4</c:v>
+                  <c:v>116.6</c:v>
                 </c:pt>
                 <c:pt idx="2">
-                  <c:v>146.6</c:v>
+                  <c:v>160.7</c:v>
                 </c:pt>
                 <c:pt idx="3">
-                  <c:v>144.8</c:v>
+                  <c:v>156.0</c:v>
                 </c:pt>
                 <c:pt idx="4">
-                  <c:v>114.5</c:v>
+                  <c:v>152.1</c:v>
                 </c:pt>
                 <c:pt idx="5">
-                  <c:v>104.8</c:v>
+                  <c:v>148.8</c:v>
                 </c:pt>
                 <c:pt idx="6">
-                  <c:v>147.4</c:v>
+                  <c:v>116.9</c:v>
                 </c:pt>
                 <c:pt idx="7">
-                  <c:v>143.3</c:v>
+                  <c:v>110.2</c:v>
                 </c:pt>
                 <c:pt idx="8">
-                  <c:v>145.6</c:v>
+                  <c:v>157.6</c:v>
                 </c:pt>
                 <c:pt idx="9">
-                  <c:v>144.4</c:v>
+                  <c:v>160.1</c:v>
                 </c:pt>
                 <c:pt idx="10">
-                  <c:v>146.3</c:v>
+                  <c:v>160.0</c:v>
                 </c:pt>
                 <c:pt idx="11">
-                  <c:v>113.3</c:v>
+                  <c:v>159.3</c:v>
                 </c:pt>
                 <c:pt idx="12">
-                  <c:v>103.1</c:v>
+                  <c:v>156.7</c:v>
                 </c:pt>
                 <c:pt idx="13">
-                  <c:v>151.0</c:v>
+                  <c:v>117.8</c:v>
                 </c:pt>
                 <c:pt idx="14">
-                  <c:v>154.3</c:v>
+                  <c:v>109.4</c:v>
                 </c:pt>
                 <c:pt idx="15">
-                  <c:v>157.4</c:v>
+                  <c:v>156.0</c:v>
                 </c:pt>
                 <c:pt idx="16">
-                  <c:v>158.0</c:v>
+                  <c:v>156.3</c:v>
                 </c:pt>
                 <c:pt idx="17">
-                  <c:v>159.2</c:v>
+                  <c:v>158.7</c:v>
                 </c:pt>
                 <c:pt idx="18">
-                  <c:v>126.9</c:v>
+                  <c:v>159.6</c:v>
                 </c:pt>
                 <c:pt idx="19">
-                  <c:v>113.0</c:v>
+                  <c:v>151.9</c:v>
                 </c:pt>
                 <c:pt idx="20">
-                  <c:v>157.6</c:v>
+                  <c:v>117.7</c:v>
                 </c:pt>
                 <c:pt idx="21">
-                  <c:v>157.7</c:v>
+                  <c:v>108.7</c:v>
                 </c:pt>
                 <c:pt idx="22">
                   <c:v>156.3</c:v>
                 </c:pt>
                 <c:pt idx="23">
-                  <c:v>153.3</c:v>
+                  <c:v>158.0</c:v>
                 </c:pt>
                 <c:pt idx="24">
-                  <c:v>143.6</c:v>
+                  <c:v>159.4</c:v>
                 </c:pt>
                 <c:pt idx="25">
-                  <c:v>112.5</c:v>
+                  <c:v>159.1</c:v>
                 </c:pt>
                 <c:pt idx="26">
-                  <c:v>103.1</c:v>
+                  <c:v>149.5</c:v>
                 </c:pt>
                 <c:pt idx="27">
-                  <c:v>145.6</c:v>
+                  <c:v>113.9</c:v>
                 </c:pt>
                 <c:pt idx="28">
-                  <c:v>158.5</c:v>
+                  <c:v>102.5</c:v>
                 </c:pt>
                 <c:pt idx="29">
-                  <c:v>164.1</c:v>
+                  <c:v>140.6</c:v>
                 </c:pt>
                 <c:pt idx="30">
-                  <c:v>165.7</c:v>
+                  <c:v>90.0</c:v>
                 </c:pt>
               </c:numCache>
             </c:numRef>
@@ -2780,18 +3032,54 @@
           </c:tx>
           <c:cat>
             <c:strRef>
-              <c:f>Sheet1!$A$2:$A$1</c:f>
+              <c:f>Sheet1!$A$2:$A$7</c:f>
               <c:strCache>
-                <c:ptCount val="0"/>
+                <c:ptCount val="6"/>
+                <c:pt idx="0">
+                  <c:v>TWNFE</c:v>
+                </c:pt>
+                <c:pt idx="1">
+                  <c:v>HKGPP</c:v>
+                </c:pt>
+                <c:pt idx="2">
+                  <c:v>JPNJP</c:v>
+                </c:pt>
+                <c:pt idx="3">
+                  <c:v>THAWP</c:v>
+                </c:pt>
+                <c:pt idx="4">
+                  <c:v>JPNDO</c:v>
+                </c:pt>
+                <c:pt idx="5">
+                  <c:v>Others</c:v>
+                </c:pt>
               </c:strCache>
             </c:strRef>
           </c:cat>
           <c:val>
             <c:numRef>
-              <c:f>Sheet1!$B$2:$B$1</c:f>
+              <c:f>Sheet1!$B$2:$B$7</c:f>
               <c:numCache>
                 <c:formatCode>General</c:formatCode>
-                <c:ptCount val="0"/>
+                <c:ptCount val="6"/>
+                <c:pt idx="0">
+                  <c:v>0.08</c:v>
+                </c:pt>
+                <c:pt idx="1">
+                  <c:v>0.08</c:v>
+                </c:pt>
+                <c:pt idx="2">
+                  <c:v>0.16</c:v>
+                </c:pt>
+                <c:pt idx="3">
+                  <c:v>0.16</c:v>
+                </c:pt>
+                <c:pt idx="4">
+                  <c:v>0.2</c:v>
+                </c:pt>
+                <c:pt idx="5">
+                  <c:v>0.32</c:v>
+                </c:pt>
               </c:numCache>
             </c:numRef>
           </c:val>
@@ -2873,19 +3161,19 @@
               <c:strCache>
                 <c:ptCount val="6"/>
                 <c:pt idx="0">
-                  <c:v>BJ</c:v>
+                  <c:v>BeiJing</c:v>
                 </c:pt>
                 <c:pt idx="1">
-                  <c:v>GD</c:v>
+                  <c:v>GuangDong</c:v>
                 </c:pt>
                 <c:pt idx="2">
-                  <c:v>SH</c:v>
+                  <c:v>ZheJiang</c:v>
                 </c:pt>
                 <c:pt idx="3">
-                  <c:v>JS</c:v>
+                  <c:v>JiangSu</c:v>
                 </c:pt>
                 <c:pt idx="4">
-                  <c:v>ZJ</c:v>
+                  <c:v>ShangHai</c:v>
                 </c:pt>
                 <c:pt idx="5">
                   <c:v>Others</c:v>
@@ -2895,10 +3183,28 @@
           </c:cat>
           <c:val>
             <c:numRef>
-              <c:f>Sheet1!$B$2:$B$1</c:f>
+              <c:f>Sheet1!$B$2:$B$7</c:f>
               <c:numCache>
                 <c:formatCode>General</c:formatCode>
-                <c:ptCount val="0"/>
+                <c:ptCount val="6"/>
+                <c:pt idx="0">
+                  <c:v>0.09</c:v>
+                </c:pt>
+                <c:pt idx="1">
+                  <c:v>0.11</c:v>
+                </c:pt>
+                <c:pt idx="2">
+                  <c:v>0.11</c:v>
+                </c:pt>
+                <c:pt idx="3">
+                  <c:v>0.13</c:v>
+                </c:pt>
+                <c:pt idx="4">
+                  <c:v>0.25</c:v>
+                </c:pt>
+                <c:pt idx="5">
+                  <c:v>0.31</c:v>
+                </c:pt>
               </c:numCache>
             </c:numRef>
           </c:val>
@@ -3085,97 +3391,97 @@
                 <c:formatCode>General</c:formatCode>
                 <c:ptCount val="31"/>
                 <c:pt idx="0">
-                  <c:v>238.3</c:v>
+                  <c:v>226.7</c:v>
                 </c:pt>
                 <c:pt idx="1">
-                  <c:v>232.6</c:v>
+                  <c:v>206.2</c:v>
                 </c:pt>
                 <c:pt idx="2">
-                  <c:v>234.1</c:v>
+                  <c:v>266.0</c:v>
                 </c:pt>
                 <c:pt idx="3">
-                  <c:v>245.0</c:v>
+                  <c:v>262.3</c:v>
                 </c:pt>
                 <c:pt idx="4">
-                  <c:v>190.2</c:v>
+                  <c:v>266.5</c:v>
                 </c:pt>
                 <c:pt idx="5">
-                  <c:v>173.4</c:v>
+                  <c:v>278.3</c:v>
                 </c:pt>
                 <c:pt idx="6">
-                  <c:v>242.3</c:v>
+                  <c:v>210.3</c:v>
                 </c:pt>
                 <c:pt idx="7">
-                  <c:v>245.8</c:v>
+                  <c:v>196.9</c:v>
                 </c:pt>
                 <c:pt idx="8">
-                  <c:v>248.1</c:v>
+                  <c:v>261.0</c:v>
                 </c:pt>
                 <c:pt idx="9">
-                  <c:v>252.2</c:v>
+                  <c:v>280.9</c:v>
                 </c:pt>
                 <c:pt idx="10">
-                  <c:v>254.3</c:v>
+                  <c:v>288.8</c:v>
                 </c:pt>
                 <c:pt idx="11">
-                  <c:v>187.8</c:v>
+                  <c:v>297.5</c:v>
                 </c:pt>
                 <c:pt idx="12">
-                  <c:v>174.3</c:v>
+                  <c:v>289.8</c:v>
                 </c:pt>
                 <c:pt idx="13">
-                  <c:v>242.9</c:v>
+                  <c:v>208.5</c:v>
                 </c:pt>
                 <c:pt idx="14">
-                  <c:v>253.7</c:v>
+                  <c:v>201.5</c:v>
                 </c:pt>
                 <c:pt idx="15">
-                  <c:v>260.3</c:v>
+                  <c:v>262.3</c:v>
                 </c:pt>
                 <c:pt idx="16">
-                  <c:v>267.3</c:v>
+                  <c:v>265.7</c:v>
                 </c:pt>
                 <c:pt idx="17">
-                  <c:v>276.6</c:v>
+                  <c:v>281.7</c:v>
                 </c:pt>
                 <c:pt idx="18">
-                  <c:v>205.1</c:v>
+                  <c:v>305.2</c:v>
                 </c:pt>
                 <c:pt idx="19">
-                  <c:v>195.7</c:v>
+                  <c:v>299.6</c:v>
                 </c:pt>
                 <c:pt idx="20">
-                  <c:v>276.3</c:v>
+                  <c:v>207.6</c:v>
                 </c:pt>
                 <c:pt idx="21">
-                  <c:v>288.8</c:v>
+                  <c:v>192.3</c:v>
                 </c:pt>
                 <c:pt idx="22">
-                  <c:v>273.8</c:v>
+                  <c:v>270.1</c:v>
                 </c:pt>
                 <c:pt idx="23">
-                  <c:v>272.3</c:v>
+                  <c:v>277.0</c:v>
                 </c:pt>
                 <c:pt idx="24">
-                  <c:v>280.4</c:v>
+                  <c:v>278.8</c:v>
                 </c:pt>
                 <c:pt idx="25">
-                  <c:v>200.4</c:v>
+                  <c:v>282.2</c:v>
                 </c:pt>
                 <c:pt idx="26">
-                  <c:v>181.4</c:v>
+                  <c:v>279.0</c:v>
                 </c:pt>
                 <c:pt idx="27">
-                  <c:v>249.9</c:v>
+                  <c:v>183.5</c:v>
                 </c:pt>
                 <c:pt idx="28">
-                  <c:v>253.8</c:v>
+                  <c:v>171.6</c:v>
                 </c:pt>
                 <c:pt idx="29">
-                  <c:v>262.5</c:v>
+                  <c:v>221.9</c:v>
                 </c:pt>
                 <c:pt idx="30">
-                  <c:v>267.0</c:v>
+                  <c:v>179.3</c:v>
                 </c:pt>
               </c:numCache>
             </c:numRef>
@@ -3267,18 +3573,54 @@
           </c:tx>
           <c:cat>
             <c:strRef>
-              <c:f>Sheet1!$A$2:$A$1</c:f>
+              <c:f>Sheet1!$A$2:$A$7</c:f>
               <c:strCache>
-                <c:ptCount val="0"/>
+                <c:ptCount val="6"/>
+                <c:pt idx="0">
+                  <c:v>Others</c:v>
+                </c:pt>
+                <c:pt idx="1">
+                  <c:v>MYSMT</c:v>
+                </c:pt>
+                <c:pt idx="2">
+                  <c:v>ITAWI</c:v>
+                </c:pt>
+                <c:pt idx="3">
+                  <c:v>KORKF</c:v>
+                </c:pt>
+                <c:pt idx="4">
+                  <c:v>JPNJP</c:v>
+                </c:pt>
+                <c:pt idx="5">
+                  <c:v>JPNDO</c:v>
+                </c:pt>
               </c:strCache>
             </c:strRef>
           </c:cat>
           <c:val>
             <c:numRef>
-              <c:f>Sheet1!$B$2:$B$1</c:f>
+              <c:f>Sheet1!$B$2:$B$7</c:f>
               <c:numCache>
                 <c:formatCode>General</c:formatCode>
-                <c:ptCount val="0"/>
+                <c:ptCount val="6"/>
+                <c:pt idx="0">
+                  <c:v>-0.44</c:v>
+                </c:pt>
+                <c:pt idx="1">
+                  <c:v>0.13</c:v>
+                </c:pt>
+                <c:pt idx="2">
+                  <c:v>0.21</c:v>
+                </c:pt>
+                <c:pt idx="3">
+                  <c:v>0.22</c:v>
+                </c:pt>
+                <c:pt idx="4">
+                  <c:v>0.35</c:v>
+                </c:pt>
+                <c:pt idx="5">
+                  <c:v>0.53</c:v>
+                </c:pt>
               </c:numCache>
             </c:numRef>
           </c:val>
@@ -3360,19 +3702,19 @@
               <c:strCache>
                 <c:ptCount val="6"/>
                 <c:pt idx="0">
-                  <c:v>BJ</c:v>
+                  <c:v>SiChuan</c:v>
                 </c:pt>
                 <c:pt idx="1">
-                  <c:v>GD</c:v>
+                  <c:v>JiangSu</c:v>
                 </c:pt>
                 <c:pt idx="2">
-                  <c:v>SH</c:v>
+                  <c:v>GuangDong</c:v>
                 </c:pt>
                 <c:pt idx="3">
-                  <c:v>JS</c:v>
+                  <c:v>BeiJing</c:v>
                 </c:pt>
                 <c:pt idx="4">
-                  <c:v>ZJ</c:v>
+                  <c:v>ZheJiang</c:v>
                 </c:pt>
                 <c:pt idx="5">
                   <c:v>Others</c:v>
@@ -3382,10 +3724,28 @@
           </c:cat>
           <c:val>
             <c:numRef>
-              <c:f>Sheet1!$B$2:$B$1</c:f>
+              <c:f>Sheet1!$B$2:$B$7</c:f>
               <c:numCache>
                 <c:formatCode>General</c:formatCode>
-                <c:ptCount val="0"/>
+                <c:ptCount val="6"/>
+                <c:pt idx="0">
+                  <c:v>0.06</c:v>
+                </c:pt>
+                <c:pt idx="1">
+                  <c:v>0.11</c:v>
+                </c:pt>
+                <c:pt idx="2">
+                  <c:v>0.11</c:v>
+                </c:pt>
+                <c:pt idx="3">
+                  <c:v>0.17</c:v>
+                </c:pt>
+                <c:pt idx="4">
+                  <c:v>0.18</c:v>
+                </c:pt>
+                <c:pt idx="5">
+                  <c:v>0.37</c:v>
+                </c:pt>
               </c:numCache>
             </c:numRef>
           </c:val>
@@ -3572,97 +3932,97 @@
                 <c:formatCode>General</c:formatCode>
                 <c:ptCount val="31"/>
                 <c:pt idx="0">
-                  <c:v>6.9</c:v>
+                  <c:v>12.6</c:v>
                 </c:pt>
                 <c:pt idx="1">
-                  <c:v>6.4</c:v>
+                  <c:v>11.3</c:v>
                 </c:pt>
                 <c:pt idx="2">
-                  <c:v>6.7</c:v>
+                  <c:v>10.6</c:v>
                 </c:pt>
                 <c:pt idx="3">
-                  <c:v>7.0</c:v>
+                  <c:v>9.9</c:v>
                 </c:pt>
                 <c:pt idx="4">
-                  <c:v>7.1</c:v>
+                  <c:v>9.9</c:v>
                 </c:pt>
                 <c:pt idx="5">
-                  <c:v>6.7</c:v>
+                  <c:v>10.4</c:v>
                 </c:pt>
                 <c:pt idx="6">
-                  <c:v>6.2</c:v>
+                  <c:v>10.8</c:v>
                 </c:pt>
                 <c:pt idx="7">
-                  <c:v>6.5</c:v>
+                  <c:v>10.3</c:v>
                 </c:pt>
                 <c:pt idx="8">
-                  <c:v>6.5</c:v>
+                  <c:v>10.1</c:v>
                 </c:pt>
                 <c:pt idx="9">
-                  <c:v>7.1</c:v>
+                  <c:v>10.1</c:v>
                 </c:pt>
                 <c:pt idx="10">
-                  <c:v>7.3</c:v>
+                  <c:v>9.1</c:v>
                 </c:pt>
                 <c:pt idx="11">
-                  <c:v>7.5</c:v>
+                  <c:v>8.8</c:v>
                 </c:pt>
                 <c:pt idx="12">
-                  <c:v>7.7</c:v>
+                  <c:v>8.8</c:v>
                 </c:pt>
                 <c:pt idx="13">
-                  <c:v>7.5</c:v>
+                  <c:v>9.3</c:v>
                 </c:pt>
                 <c:pt idx="14">
-                  <c:v>7.5</c:v>
+                  <c:v>9.1</c:v>
                 </c:pt>
                 <c:pt idx="15">
-                  <c:v>7.9</c:v>
+                  <c:v>8.4</c:v>
                 </c:pt>
                 <c:pt idx="16">
-                  <c:v>7.9</c:v>
+                  <c:v>9.0</c:v>
                 </c:pt>
                 <c:pt idx="17">
-                  <c:v>8.4</c:v>
+                  <c:v>8.7</c:v>
                 </c:pt>
                 <c:pt idx="18">
                   <c:v>8.8</c:v>
                 </c:pt>
                 <c:pt idx="19">
-                  <c:v>8.9</c:v>
+                  <c:v>8.8</c:v>
                 </c:pt>
                 <c:pt idx="20">
-                  <c:v>8.3</c:v>
+                  <c:v>9.0</c:v>
                 </c:pt>
                 <c:pt idx="21">
-                  <c:v>8.6</c:v>
+                  <c:v>9.0</c:v>
                 </c:pt>
                 <c:pt idx="22">
-                  <c:v>8.2</c:v>
+                  <c:v>8.8</c:v>
                 </c:pt>
                 <c:pt idx="23">
-                  <c:v>8.2</c:v>
+                  <c:v>8.7</c:v>
                 </c:pt>
                 <c:pt idx="24">
-                  <c:v>8.0</c:v>
+                  <c:v>9.1</c:v>
                 </c:pt>
                 <c:pt idx="25">
-                  <c:v>8.2</c:v>
+                  <c:v>9.3</c:v>
                 </c:pt>
                 <c:pt idx="26">
+                  <c:v>9.3</c:v>
+                </c:pt>
+                <c:pt idx="27">
+                  <c:v>9.9</c:v>
+                </c:pt>
+                <c:pt idx="28">
+                  <c:v>9.5</c:v>
+                </c:pt>
+                <c:pt idx="29">
                   <c:v>7.7</c:v>
                 </c:pt>
-                <c:pt idx="27">
-                  <c:v>7.7</c:v>
-                </c:pt>
-                <c:pt idx="28">
-                  <c:v>7.7</c:v>
-                </c:pt>
-                <c:pt idx="29">
-                  <c:v>7.6</c:v>
-                </c:pt>
                 <c:pt idx="30">
-                  <c:v>7.9</c:v>
+                  <c:v>5.5</c:v>
                 </c:pt>
               </c:numCache>
             </c:numRef>
@@ -3754,18 +4114,54 @@
           </c:tx>
           <c:cat>
             <c:strRef>
-              <c:f>Sheet1!$A$2:$A$1</c:f>
+              <c:f>Sheet1!$A$2:$A$7</c:f>
               <c:strCache>
-                <c:ptCount val="0"/>
+                <c:ptCount val="6"/>
+                <c:pt idx="0">
+                  <c:v>ARETC</c:v>
+                </c:pt>
+                <c:pt idx="1">
+                  <c:v>SGPM1</c:v>
+                </c:pt>
+                <c:pt idx="2">
+                  <c:v>USACG</c:v>
+                </c:pt>
+                <c:pt idx="3">
+                  <c:v>AUSTA</c:v>
+                </c:pt>
+                <c:pt idx="4">
+                  <c:v>KORKF</c:v>
+                </c:pt>
+                <c:pt idx="5">
+                  <c:v>Others</c:v>
+                </c:pt>
               </c:strCache>
             </c:strRef>
           </c:cat>
           <c:val>
             <c:numRef>
-              <c:f>Sheet1!$B$2:$B$1</c:f>
+              <c:f>Sheet1!$B$2:$B$7</c:f>
               <c:numCache>
                 <c:formatCode>General</c:formatCode>
-                <c:ptCount val="0"/>
+                <c:ptCount val="6"/>
+                <c:pt idx="0">
+                  <c:v>0.1</c:v>
+                </c:pt>
+                <c:pt idx="1">
+                  <c:v>0.11</c:v>
+                </c:pt>
+                <c:pt idx="2">
+                  <c:v>0.18</c:v>
+                </c:pt>
+                <c:pt idx="3">
+                  <c:v>0.18</c:v>
+                </c:pt>
+                <c:pt idx="4">
+                  <c:v>0.21</c:v>
+                </c:pt>
+                <c:pt idx="5">
+                  <c:v>0.22</c:v>
+                </c:pt>
               </c:numCache>
             </c:numRef>
           </c:val>
@@ -3847,32 +4243,50 @@
               <c:strCache>
                 <c:ptCount val="6"/>
                 <c:pt idx="0">
-                  <c:v>BJ</c:v>
+                  <c:v>Others</c:v>
                 </c:pt>
                 <c:pt idx="1">
-                  <c:v>GD</c:v>
+                  <c:v>TianJing</c:v>
                 </c:pt>
                 <c:pt idx="2">
-                  <c:v>SH</c:v>
+                  <c:v>JiangSu</c:v>
                 </c:pt>
                 <c:pt idx="3">
-                  <c:v>JS</c:v>
+                  <c:v>SiChuan</c:v>
                 </c:pt>
                 <c:pt idx="4">
-                  <c:v>ZJ</c:v>
+                  <c:v>LiaoNing</c:v>
                 </c:pt>
                 <c:pt idx="5">
-                  <c:v>Others</c:v>
+                  <c:v>ShangHai</c:v>
                 </c:pt>
               </c:strCache>
             </c:strRef>
           </c:cat>
           <c:val>
             <c:numRef>
-              <c:f>Sheet1!$B$2:$B$1</c:f>
+              <c:f>Sheet1!$B$2:$B$7</c:f>
               <c:numCache>
                 <c:formatCode>General</c:formatCode>
-                <c:ptCount val="0"/>
+                <c:ptCount val="6"/>
+                <c:pt idx="0">
+                  <c:v>-5.61</c:v>
+                </c:pt>
+                <c:pt idx="1">
+                  <c:v>0.57</c:v>
+                </c:pt>
+                <c:pt idx="2">
+                  <c:v>0.59</c:v>
+                </c:pt>
+                <c:pt idx="3">
+                  <c:v>0.86</c:v>
+                </c:pt>
+                <c:pt idx="4">
+                  <c:v>1.29</c:v>
+                </c:pt>
+                <c:pt idx="5">
+                  <c:v>3.3</c:v>
+                </c:pt>
               </c:numCache>
             </c:numRef>
           </c:val>
@@ -3954,19 +4368,19 @@
               <c:strCache>
                 <c:ptCount val="6"/>
                 <c:pt idx="0">
-                  <c:v>BJ</c:v>
+                  <c:v>ShangDong</c:v>
                 </c:pt>
                 <c:pt idx="1">
-                  <c:v>GD</c:v>
+                  <c:v>ZheJiang</c:v>
                 </c:pt>
                 <c:pt idx="2">
-                  <c:v>SH</c:v>
+                  <c:v>HeNan</c:v>
                 </c:pt>
                 <c:pt idx="3">
-                  <c:v>JS</c:v>
+                  <c:v>GuangDong</c:v>
                 </c:pt>
                 <c:pt idx="4">
-                  <c:v>ZJ</c:v>
+                  <c:v>LiaoNing</c:v>
                 </c:pt>
                 <c:pt idx="5">
                   <c:v>Others</c:v>
@@ -3976,10 +4390,28 @@
           </c:cat>
           <c:val>
             <c:numRef>
-              <c:f>Sheet1!$B$2:$B$1</c:f>
+              <c:f>Sheet1!$B$2:$B$7</c:f>
               <c:numCache>
                 <c:formatCode>General</c:formatCode>
-                <c:ptCount val="0"/>
+                <c:ptCount val="6"/>
+                <c:pt idx="0">
+                  <c:v>0.08</c:v>
+                </c:pt>
+                <c:pt idx="1">
+                  <c:v>0.09</c:v>
+                </c:pt>
+                <c:pt idx="2">
+                  <c:v>0.1</c:v>
+                </c:pt>
+                <c:pt idx="3">
+                  <c:v>0.1</c:v>
+                </c:pt>
+                <c:pt idx="4">
+                  <c:v>0.15</c:v>
+                </c:pt>
+                <c:pt idx="5">
+                  <c:v>0.48</c:v>
+                </c:pt>
               </c:numCache>
             </c:numRef>
           </c:val>
@@ -4062,43 +4494,43 @@
               <c:strCache>
                 <c:ptCount val="13"/>
                 <c:pt idx="0">
-                  <c:v>201503</c:v>
+                  <c:v>201505</c:v>
                 </c:pt>
                 <c:pt idx="1">
-                  <c:v>201504</c:v>
+                  <c:v>201506</c:v>
                 </c:pt>
                 <c:pt idx="2">
-                  <c:v>201505</c:v>
+                  <c:v>201507</c:v>
                 </c:pt>
                 <c:pt idx="3">
-                  <c:v>201506</c:v>
+                  <c:v>201508</c:v>
                 </c:pt>
                 <c:pt idx="4">
-                  <c:v>201507</c:v>
+                  <c:v>201509</c:v>
                 </c:pt>
                 <c:pt idx="5">
-                  <c:v>201508</c:v>
+                  <c:v>201510</c:v>
                 </c:pt>
                 <c:pt idx="6">
-                  <c:v>201509</c:v>
+                  <c:v>201511</c:v>
                 </c:pt>
                 <c:pt idx="7">
-                  <c:v>201510</c:v>
+                  <c:v>201512</c:v>
                 </c:pt>
                 <c:pt idx="8">
-                  <c:v>201511</c:v>
+                  <c:v>201601</c:v>
                 </c:pt>
                 <c:pt idx="9">
-                  <c:v>201512</c:v>
+                  <c:v>201602</c:v>
                 </c:pt>
                 <c:pt idx="10">
-                  <c:v>201601</c:v>
+                  <c:v>201603</c:v>
                 </c:pt>
                 <c:pt idx="11">
-                  <c:v>201602</c:v>
+                  <c:v>201604</c:v>
                 </c:pt>
                 <c:pt idx="12">
-                  <c:v>201603</c:v>
+                  <c:v>201605</c:v>
                 </c:pt>
               </c:strCache>
             </c:strRef>
@@ -4110,43 +4542,43 @@
                 <c:formatCode>General</c:formatCode>
                 <c:ptCount val="13"/>
                 <c:pt idx="0">
-                  <c:v>1.3</c:v>
+                  <c:v>1.4</c:v>
                 </c:pt>
                 <c:pt idx="1">
-                  <c:v>1.4</c:v>
+                  <c:v>1.5</c:v>
                 </c:pt>
                 <c:pt idx="2">
-                  <c:v>1.4</c:v>
+                  <c:v>1.6</c:v>
                 </c:pt>
                 <c:pt idx="3">
-                  <c:v>1.5</c:v>
+                  <c:v>1.6</c:v>
                 </c:pt>
                 <c:pt idx="4">
                   <c:v>1.6</c:v>
                 </c:pt>
                 <c:pt idx="5">
-                  <c:v>1.6</c:v>
+                  <c:v>1.8</c:v>
                 </c:pt>
                 <c:pt idx="6">
-                  <c:v>1.6</c:v>
+                  <c:v>1.8</c:v>
                 </c:pt>
                 <c:pt idx="7">
-                  <c:v>1.8</c:v>
+                  <c:v>1.9</c:v>
                 </c:pt>
                 <c:pt idx="8">
                   <c:v>1.8</c:v>
                 </c:pt>
                 <c:pt idx="9">
-                  <c:v>1.9</c:v>
+                  <c:v>1.7</c:v>
                 </c:pt>
                 <c:pt idx="10">
-                  <c:v>1.8</c:v>
+                  <c:v>2.3</c:v>
                 </c:pt>
                 <c:pt idx="11">
-                  <c:v>1.7</c:v>
+                  <c:v>2.4</c:v>
                 </c:pt>
                 <c:pt idx="12">
-                  <c:v>2.3</c:v>
+                  <c:v>2.4</c:v>
                 </c:pt>
               </c:numCache>
             </c:numRef>
@@ -4255,43 +4687,43 @@
               <c:strCache>
                 <c:ptCount val="13"/>
                 <c:pt idx="0">
-                  <c:v>201503</c:v>
+                  <c:v>201505</c:v>
                 </c:pt>
                 <c:pt idx="1">
-                  <c:v>201504</c:v>
+                  <c:v>201506</c:v>
                 </c:pt>
                 <c:pt idx="2">
-                  <c:v>201505</c:v>
+                  <c:v>201507</c:v>
                 </c:pt>
                 <c:pt idx="3">
-                  <c:v>201506</c:v>
+                  <c:v>201508</c:v>
                 </c:pt>
                 <c:pt idx="4">
-                  <c:v>201507</c:v>
+                  <c:v>201509</c:v>
                 </c:pt>
                 <c:pt idx="5">
-                  <c:v>201508</c:v>
+                  <c:v>201510</c:v>
                 </c:pt>
                 <c:pt idx="6">
-                  <c:v>201509</c:v>
+                  <c:v>201511</c:v>
                 </c:pt>
                 <c:pt idx="7">
-                  <c:v>201510</c:v>
+                  <c:v>201512</c:v>
                 </c:pt>
                 <c:pt idx="8">
-                  <c:v>201511</c:v>
+                  <c:v>201601</c:v>
                 </c:pt>
                 <c:pt idx="9">
-                  <c:v>201512</c:v>
+                  <c:v>201602</c:v>
                 </c:pt>
                 <c:pt idx="10">
-                  <c:v>201601</c:v>
+                  <c:v>201603</c:v>
                 </c:pt>
                 <c:pt idx="11">
-                  <c:v>201602</c:v>
+                  <c:v>201604</c:v>
                 </c:pt>
                 <c:pt idx="12">
-                  <c:v>201603</c:v>
+                  <c:v>201605</c:v>
                 </c:pt>
               </c:strCache>
             </c:strRef>
@@ -4303,43 +4735,43 @@
                 <c:formatCode>General</c:formatCode>
                 <c:ptCount val="13"/>
                 <c:pt idx="0">
-                  <c:v>1.3</c:v>
+                  <c:v>1.2</c:v>
                 </c:pt>
                 <c:pt idx="1">
-                  <c:v>1.4</c:v>
+                  <c:v>1.2</c:v>
                 </c:pt>
                 <c:pt idx="2">
-                  <c:v>1.2</c:v>
+                  <c:v>1.1</c:v>
                 </c:pt>
                 <c:pt idx="3">
-                  <c:v>1.2</c:v>
+                  <c:v>1.0</c:v>
                 </c:pt>
                 <c:pt idx="4">
                   <c:v>1.1</c:v>
                 </c:pt>
                 <c:pt idx="5">
+                  <c:v>1.3</c:v>
+                </c:pt>
+                <c:pt idx="6">
+                  <c:v>1.3</c:v>
+                </c:pt>
+                <c:pt idx="7">
                   <c:v>1.0</c:v>
                 </c:pt>
-                <c:pt idx="6">
+                <c:pt idx="8">
                   <c:v>1.1</c:v>
                 </c:pt>
-                <c:pt idx="7">
-                  <c:v>1.3</c:v>
-                </c:pt>
-                <c:pt idx="8">
-                  <c:v>1.3</c:v>
-                </c:pt>
                 <c:pt idx="9">
-                  <c:v>1.0</c:v>
+                  <c:v>0.8</c:v>
                 </c:pt>
                 <c:pt idx="10">
+                  <c:v>1.4</c:v>
+                </c:pt>
+                <c:pt idx="11">
+                  <c:v>1.5</c:v>
+                </c:pt>
+                <c:pt idx="12">
                   <c:v>1.1</c:v>
-                </c:pt>
-                <c:pt idx="11">
-                  <c:v>0.8</c:v>
-                </c:pt>
-                <c:pt idx="12">
-                  <c:v>1.4</c:v>
                 </c:pt>
               </c:numCache>
             </c:numRef>
@@ -4448,43 +4880,43 @@
               <c:strCache>
                 <c:ptCount val="13"/>
                 <c:pt idx="0">
-                  <c:v>201503</c:v>
+                  <c:v>201505</c:v>
                 </c:pt>
                 <c:pt idx="1">
-                  <c:v>201504</c:v>
+                  <c:v>201506</c:v>
                 </c:pt>
                 <c:pt idx="2">
-                  <c:v>201505</c:v>
+                  <c:v>201507</c:v>
                 </c:pt>
                 <c:pt idx="3">
-                  <c:v>201506</c:v>
+                  <c:v>201508</c:v>
                 </c:pt>
                 <c:pt idx="4">
-                  <c:v>201507</c:v>
+                  <c:v>201509</c:v>
                 </c:pt>
                 <c:pt idx="5">
-                  <c:v>201508</c:v>
+                  <c:v>201510</c:v>
                 </c:pt>
                 <c:pt idx="6">
-                  <c:v>201509</c:v>
+                  <c:v>201511</c:v>
                 </c:pt>
                 <c:pt idx="7">
-                  <c:v>201510</c:v>
+                  <c:v>201512</c:v>
                 </c:pt>
                 <c:pt idx="8">
-                  <c:v>201511</c:v>
+                  <c:v>201601</c:v>
                 </c:pt>
                 <c:pt idx="9">
-                  <c:v>201512</c:v>
+                  <c:v>201602</c:v>
                 </c:pt>
                 <c:pt idx="10">
-                  <c:v>201601</c:v>
+                  <c:v>201603</c:v>
                 </c:pt>
                 <c:pt idx="11">
-                  <c:v>201602</c:v>
+                  <c:v>201604</c:v>
                 </c:pt>
                 <c:pt idx="12">
-                  <c:v>201603</c:v>
+                  <c:v>201605</c:v>
                 </c:pt>
               </c:strCache>
             </c:strRef>
@@ -4520,19 +4952,19 @@
                   <c:v>0.4</c:v>
                 </c:pt>
                 <c:pt idx="8">
+                  <c:v>0.3</c:v>
+                </c:pt>
+                <c:pt idx="9">
+                  <c:v>0.3</c:v>
+                </c:pt>
+                <c:pt idx="10">
                   <c:v>0.4</c:v>
                 </c:pt>
-                <c:pt idx="9">
+                <c:pt idx="11">
                   <c:v>0.4</c:v>
                 </c:pt>
-                <c:pt idx="10">
+                <c:pt idx="12">
                   <c:v>0.3</c:v>
-                </c:pt>
-                <c:pt idx="11">
-                  <c:v>0.3</c:v>
-                </c:pt>
-                <c:pt idx="12">
-                  <c:v>0.4</c:v>
                 </c:pt>
               </c:numCache>
             </c:numRef>
@@ -4641,43 +5073,43 @@
               <c:strCache>
                 <c:ptCount val="13"/>
                 <c:pt idx="0">
-                  <c:v>201503</c:v>
+                  <c:v>201505</c:v>
                 </c:pt>
                 <c:pt idx="1">
-                  <c:v>201504</c:v>
+                  <c:v>201506</c:v>
                 </c:pt>
                 <c:pt idx="2">
-                  <c:v>201505</c:v>
+                  <c:v>201507</c:v>
                 </c:pt>
                 <c:pt idx="3">
-                  <c:v>201506</c:v>
+                  <c:v>201508</c:v>
                 </c:pt>
                 <c:pt idx="4">
-                  <c:v>201507</c:v>
+                  <c:v>201509</c:v>
                 </c:pt>
                 <c:pt idx="5">
-                  <c:v>201508</c:v>
+                  <c:v>201510</c:v>
                 </c:pt>
                 <c:pt idx="6">
-                  <c:v>201509</c:v>
+                  <c:v>201511</c:v>
                 </c:pt>
                 <c:pt idx="7">
-                  <c:v>201510</c:v>
+                  <c:v>201512</c:v>
                 </c:pt>
                 <c:pt idx="8">
-                  <c:v>201511</c:v>
+                  <c:v>201601</c:v>
                 </c:pt>
                 <c:pt idx="9">
-                  <c:v>201512</c:v>
+                  <c:v>201602</c:v>
                 </c:pt>
                 <c:pt idx="10">
-                  <c:v>201601</c:v>
+                  <c:v>201603</c:v>
                 </c:pt>
                 <c:pt idx="11">
-                  <c:v>201602</c:v>
+                  <c:v>201604</c:v>
                 </c:pt>
                 <c:pt idx="12">
-                  <c:v>201603</c:v>
+                  <c:v>201605</c:v>
                 </c:pt>
               </c:strCache>
             </c:strRef>
@@ -4689,43 +5121,43 @@
                 <c:formatCode>General</c:formatCode>
                 <c:ptCount val="13"/>
                 <c:pt idx="0">
-                  <c:v>1.5</c:v>
+                  <c:v>1.8</c:v>
                 </c:pt>
                 <c:pt idx="1">
-                  <c:v>1.7</c:v>
+                  <c:v>1.9</c:v>
                 </c:pt>
                 <c:pt idx="2">
-                  <c:v>1.8</c:v>
+                  <c:v>2.3</c:v>
                 </c:pt>
                 <c:pt idx="3">
-                  <c:v>1.9</c:v>
+                  <c:v>2.6</c:v>
                 </c:pt>
                 <c:pt idx="4">
+                  <c:v>2.1</c:v>
+                </c:pt>
+                <c:pt idx="5">
                   <c:v>2.3</c:v>
-                </c:pt>
-                <c:pt idx="5">
-                  <c:v>2.6</c:v>
                 </c:pt>
                 <c:pt idx="6">
                   <c:v>2.1</c:v>
                 </c:pt>
                 <c:pt idx="7">
-                  <c:v>2.3</c:v>
+                  <c:v>2.1</c:v>
                 </c:pt>
                 <c:pt idx="8">
-                  <c:v>2.1</c:v>
+                  <c:v>2.0</c:v>
                 </c:pt>
                 <c:pt idx="9">
-                  <c:v>2.1</c:v>
+                  <c:v>2.6</c:v>
                 </c:pt>
                 <c:pt idx="10">
-                  <c:v>2.0</c:v>
+                  <c:v>2.2</c:v>
                 </c:pt>
                 <c:pt idx="11">
-                  <c:v>2.6</c:v>
+                  <c:v>2.4</c:v>
                 </c:pt>
                 <c:pt idx="12">
-                  <c:v>2.2</c:v>
+                  <c:v>2.4</c:v>
                 </c:pt>
               </c:numCache>
             </c:numRef>
@@ -4834,43 +5266,43 @@
               <c:strCache>
                 <c:ptCount val="13"/>
                 <c:pt idx="0">
-                  <c:v>201503</c:v>
+                  <c:v>201505</c:v>
                 </c:pt>
                 <c:pt idx="1">
-                  <c:v>201504</c:v>
+                  <c:v>201506</c:v>
                 </c:pt>
                 <c:pt idx="2">
-                  <c:v>201505</c:v>
+                  <c:v>201507</c:v>
                 </c:pt>
                 <c:pt idx="3">
-                  <c:v>201506</c:v>
+                  <c:v>201508</c:v>
                 </c:pt>
                 <c:pt idx="4">
-                  <c:v>201507</c:v>
+                  <c:v>201509</c:v>
                 </c:pt>
                 <c:pt idx="5">
-                  <c:v>201508</c:v>
+                  <c:v>201510</c:v>
                 </c:pt>
                 <c:pt idx="6">
-                  <c:v>201509</c:v>
+                  <c:v>201511</c:v>
                 </c:pt>
                 <c:pt idx="7">
-                  <c:v>201510</c:v>
+                  <c:v>201512</c:v>
                 </c:pt>
                 <c:pt idx="8">
-                  <c:v>201511</c:v>
+                  <c:v>201601</c:v>
                 </c:pt>
                 <c:pt idx="9">
-                  <c:v>201512</c:v>
+                  <c:v>201602</c:v>
                 </c:pt>
                 <c:pt idx="10">
-                  <c:v>201601</c:v>
+                  <c:v>201603</c:v>
                 </c:pt>
                 <c:pt idx="11">
-                  <c:v>201602</c:v>
+                  <c:v>201604</c:v>
                 </c:pt>
                 <c:pt idx="12">
-                  <c:v>201603</c:v>
+                  <c:v>201605</c:v>
                 </c:pt>
               </c:strCache>
             </c:strRef>
@@ -4882,43 +5314,43 @@
                 <c:formatCode>General</c:formatCode>
                 <c:ptCount val="13"/>
                 <c:pt idx="0">
-                  <c:v>4.9</c:v>
+                  <c:v>5.1</c:v>
                 </c:pt>
                 <c:pt idx="1">
-                  <c:v>5.1</c:v>
+                  <c:v>4.7</c:v>
                 </c:pt>
                 <c:pt idx="2">
-                  <c:v>5.1</c:v>
+                  <c:v>5.4</c:v>
                 </c:pt>
                 <c:pt idx="3">
+                  <c:v>5.7</c:v>
+                </c:pt>
+                <c:pt idx="4">
+                  <c:v>4.8</c:v>
+                </c:pt>
+                <c:pt idx="5">
+                  <c:v>4.8</c:v>
+                </c:pt>
+                <c:pt idx="6">
+                  <c:v>4.6</c:v>
+                </c:pt>
+                <c:pt idx="7">
                   <c:v>4.7</c:v>
                 </c:pt>
-                <c:pt idx="4">
-                  <c:v>5.4</c:v>
-                </c:pt>
-                <c:pt idx="5">
-                  <c:v>5.7</c:v>
-                </c:pt>
-                <c:pt idx="6">
-                  <c:v>4.8</c:v>
-                </c:pt>
-                <c:pt idx="7">
-                  <c:v>4.8</c:v>
-                </c:pt>
                 <c:pt idx="8">
-                  <c:v>4.6</c:v>
+                  <c:v>4.4</c:v>
                 </c:pt>
                 <c:pt idx="9">
-                  <c:v>4.7</c:v>
+                  <c:v>4.3</c:v>
                 </c:pt>
                 <c:pt idx="10">
                   <c:v>4.4</c:v>
                 </c:pt>
                 <c:pt idx="11">
+                  <c:v>4.6</c:v>
+                </c:pt>
+                <c:pt idx="12">
                   <c:v>4.3</c:v>
-                </c:pt>
-                <c:pt idx="12">
-                  <c:v>4.4</c:v>
                 </c:pt>
               </c:numCache>
             </c:numRef>
@@ -5027,43 +5459,43 @@
               <c:strCache>
                 <c:ptCount val="13"/>
                 <c:pt idx="0">
-                  <c:v>201503</c:v>
+                  <c:v>201505</c:v>
                 </c:pt>
                 <c:pt idx="1">
-                  <c:v>201504</c:v>
+                  <c:v>201506</c:v>
                 </c:pt>
                 <c:pt idx="2">
-                  <c:v>201505</c:v>
+                  <c:v>201507</c:v>
                 </c:pt>
                 <c:pt idx="3">
-                  <c:v>201506</c:v>
+                  <c:v>201508</c:v>
                 </c:pt>
                 <c:pt idx="4">
-                  <c:v>201507</c:v>
+                  <c:v>201509</c:v>
                 </c:pt>
                 <c:pt idx="5">
-                  <c:v>201508</c:v>
+                  <c:v>201510</c:v>
                 </c:pt>
                 <c:pt idx="6">
-                  <c:v>201509</c:v>
+                  <c:v>201511</c:v>
                 </c:pt>
                 <c:pt idx="7">
-                  <c:v>201510</c:v>
+                  <c:v>201512</c:v>
                 </c:pt>
                 <c:pt idx="8">
-                  <c:v>201511</c:v>
+                  <c:v>201601</c:v>
                 </c:pt>
                 <c:pt idx="9">
-                  <c:v>201512</c:v>
+                  <c:v>201602</c:v>
                 </c:pt>
                 <c:pt idx="10">
-                  <c:v>201601</c:v>
+                  <c:v>201603</c:v>
                 </c:pt>
                 <c:pt idx="11">
-                  <c:v>201602</c:v>
+                  <c:v>201604</c:v>
                 </c:pt>
                 <c:pt idx="12">
-                  <c:v>201603</c:v>
+                  <c:v>201605</c:v>
                 </c:pt>
               </c:strCache>
             </c:strRef>
@@ -5075,31 +5507,31 @@
                 <c:formatCode>General</c:formatCode>
                 <c:ptCount val="13"/>
                 <c:pt idx="0">
+                  <c:v>0.9</c:v>
+                </c:pt>
+                <c:pt idx="1">
+                  <c:v>0.9</c:v>
+                </c:pt>
+                <c:pt idx="2">
+                  <c:v>1.0</c:v>
+                </c:pt>
+                <c:pt idx="3">
+                  <c:v>1.1</c:v>
+                </c:pt>
+                <c:pt idx="4">
+                  <c:v>0.9</c:v>
+                </c:pt>
+                <c:pt idx="5">
+                  <c:v>0.9</c:v>
+                </c:pt>
+                <c:pt idx="6">
+                  <c:v>0.8</c:v>
+                </c:pt>
+                <c:pt idx="7">
+                  <c:v>0.8</c:v>
+                </c:pt>
+                <c:pt idx="8">
                   <c:v>0.7</c:v>
-                </c:pt>
-                <c:pt idx="1">
-                  <c:v>0.8</c:v>
-                </c:pt>
-                <c:pt idx="2">
-                  <c:v>0.9</c:v>
-                </c:pt>
-                <c:pt idx="3">
-                  <c:v>0.9</c:v>
-                </c:pt>
-                <c:pt idx="4">
-                  <c:v>1.0</c:v>
-                </c:pt>
-                <c:pt idx="5">
-                  <c:v>1.1</c:v>
-                </c:pt>
-                <c:pt idx="6">
-                  <c:v>0.9</c:v>
-                </c:pt>
-                <c:pt idx="7">
-                  <c:v>0.9</c:v>
-                </c:pt>
-                <c:pt idx="8">
-                  <c:v>0.8</c:v>
                 </c:pt>
                 <c:pt idx="9">
                   <c:v>0.8</c:v>
@@ -5111,7 +5543,7 @@
                   <c:v>0.8</c:v>
                 </c:pt>
                 <c:pt idx="12">
-                  <c:v>0.7</c:v>
+                  <c:v>0.8</c:v>
                 </c:pt>
               </c:numCache>
             </c:numRef>
@@ -5220,43 +5652,43 @@
               <c:strCache>
                 <c:ptCount val="13"/>
                 <c:pt idx="0">
-                  <c:v>201503</c:v>
+                  <c:v>201505</c:v>
                 </c:pt>
                 <c:pt idx="1">
-                  <c:v>201504</c:v>
+                  <c:v>201506</c:v>
                 </c:pt>
                 <c:pt idx="2">
-                  <c:v>201505</c:v>
+                  <c:v>201507</c:v>
                 </c:pt>
                 <c:pt idx="3">
-                  <c:v>201506</c:v>
+                  <c:v>201508</c:v>
                 </c:pt>
                 <c:pt idx="4">
-                  <c:v>201507</c:v>
+                  <c:v>201509</c:v>
                 </c:pt>
                 <c:pt idx="5">
-                  <c:v>201508</c:v>
+                  <c:v>201510</c:v>
                 </c:pt>
                 <c:pt idx="6">
-                  <c:v>201509</c:v>
+                  <c:v>201511</c:v>
                 </c:pt>
                 <c:pt idx="7">
-                  <c:v>201510</c:v>
+                  <c:v>201512</c:v>
                 </c:pt>
                 <c:pt idx="8">
-                  <c:v>201511</c:v>
+                  <c:v>201601</c:v>
                 </c:pt>
                 <c:pt idx="9">
-                  <c:v>201512</c:v>
+                  <c:v>201602</c:v>
                 </c:pt>
                 <c:pt idx="10">
-                  <c:v>201601</c:v>
+                  <c:v>201603</c:v>
                 </c:pt>
                 <c:pt idx="11">
-                  <c:v>201602</c:v>
+                  <c:v>201604</c:v>
                 </c:pt>
                 <c:pt idx="12">
-                  <c:v>201603</c:v>
+                  <c:v>201605</c:v>
                 </c:pt>
               </c:strCache>
             </c:strRef>
@@ -5268,43 +5700,43 @@
                 <c:formatCode>General</c:formatCode>
                 <c:ptCount val="13"/>
                 <c:pt idx="0">
-                  <c:v>12.9</c:v>
+                  <c:v>13.6</c:v>
                 </c:pt>
                 <c:pt idx="1">
                   <c:v>14.9</c:v>
                 </c:pt>
                 <c:pt idx="2">
-                  <c:v>13.6</c:v>
+                  <c:v>17.4</c:v>
                 </c:pt>
                 <c:pt idx="3">
-                  <c:v>14.9</c:v>
+                  <c:v>16.3</c:v>
                 </c:pt>
                 <c:pt idx="4">
-                  <c:v>17.4</c:v>
+                  <c:v>14.8</c:v>
                 </c:pt>
                 <c:pt idx="5">
-                  <c:v>16.3</c:v>
+                  <c:v>17.3</c:v>
                 </c:pt>
                 <c:pt idx="6">
-                  <c:v>14.8</c:v>
+                  <c:v>18.0</c:v>
                 </c:pt>
                 <c:pt idx="7">
-                  <c:v>17.3</c:v>
+                  <c:v>17.6</c:v>
                 </c:pt>
                 <c:pt idx="8">
-                  <c:v>18.0</c:v>
+                  <c:v>16.6</c:v>
                 </c:pt>
                 <c:pt idx="9">
-                  <c:v>17.6</c:v>
+                  <c:v>16.6</c:v>
                 </c:pt>
                 <c:pt idx="10">
-                  <c:v>16.6</c:v>
+                  <c:v>22.4</c:v>
                 </c:pt>
                 <c:pt idx="11">
-                  <c:v>16.6</c:v>
+                  <c:v>24.7</c:v>
                 </c:pt>
                 <c:pt idx="12">
-                  <c:v>22.4</c:v>
+                  <c:v>24.8</c:v>
                 </c:pt>
               </c:numCache>
             </c:numRef>
@@ -5330,43 +5762,43 @@
               <c:strCache>
                 <c:ptCount val="13"/>
                 <c:pt idx="0">
-                  <c:v>201503</c:v>
+                  <c:v>201505</c:v>
                 </c:pt>
                 <c:pt idx="1">
-                  <c:v>201504</c:v>
+                  <c:v>201506</c:v>
                 </c:pt>
                 <c:pt idx="2">
-                  <c:v>201505</c:v>
+                  <c:v>201507</c:v>
                 </c:pt>
                 <c:pt idx="3">
-                  <c:v>201506</c:v>
+                  <c:v>201508</c:v>
                 </c:pt>
                 <c:pt idx="4">
-                  <c:v>201507</c:v>
+                  <c:v>201509</c:v>
                 </c:pt>
                 <c:pt idx="5">
-                  <c:v>201508</c:v>
+                  <c:v>201510</c:v>
                 </c:pt>
                 <c:pt idx="6">
-                  <c:v>201509</c:v>
+                  <c:v>201511</c:v>
                 </c:pt>
                 <c:pt idx="7">
-                  <c:v>201510</c:v>
+                  <c:v>201512</c:v>
                 </c:pt>
                 <c:pt idx="8">
-                  <c:v>201511</c:v>
+                  <c:v>201601</c:v>
                 </c:pt>
                 <c:pt idx="9">
-                  <c:v>201512</c:v>
+                  <c:v>201602</c:v>
                 </c:pt>
                 <c:pt idx="10">
-                  <c:v>201601</c:v>
+                  <c:v>201603</c:v>
                 </c:pt>
                 <c:pt idx="11">
-                  <c:v>201602</c:v>
+                  <c:v>201604</c:v>
                 </c:pt>
                 <c:pt idx="12">
-                  <c:v>201603</c:v>
+                  <c:v>201605</c:v>
                 </c:pt>
               </c:strCache>
             </c:strRef>
@@ -5378,43 +5810,43 @@
                 <c:formatCode>General</c:formatCode>
                 <c:ptCount val="13"/>
                 <c:pt idx="0">
-                  <c:v>33.2</c:v>
+                  <c:v>42.8</c:v>
                 </c:pt>
                 <c:pt idx="1">
-                  <c:v>41.4</c:v>
+                  <c:v>41.2</c:v>
                 </c:pt>
                 <c:pt idx="2">
-                  <c:v>42.8</c:v>
+                  <c:v>43.6</c:v>
                 </c:pt>
                 <c:pt idx="3">
-                  <c:v>41.2</c:v>
+                  <c:v>55.0</c:v>
                 </c:pt>
                 <c:pt idx="4">
-                  <c:v>43.6</c:v>
+                  <c:v>59.9</c:v>
                 </c:pt>
                 <c:pt idx="5">
-                  <c:v>55.0</c:v>
+                  <c:v>72.7</c:v>
                 </c:pt>
                 <c:pt idx="6">
-                  <c:v>59.9</c:v>
+                  <c:v>80.0</c:v>
                 </c:pt>
                 <c:pt idx="7">
-                  <c:v>72.7</c:v>
+                  <c:v>90.8</c:v>
                 </c:pt>
                 <c:pt idx="8">
-                  <c:v>80.0</c:v>
+                  <c:v>87.3</c:v>
                 </c:pt>
                 <c:pt idx="9">
-                  <c:v>90.8</c:v>
+                  <c:v>79.3</c:v>
                 </c:pt>
                 <c:pt idx="10">
-                  <c:v>87.3</c:v>
+                  <c:v>126.2</c:v>
                 </c:pt>
                 <c:pt idx="11">
-                  <c:v>79.3</c:v>
+                  <c:v>127.5</c:v>
                 </c:pt>
                 <c:pt idx="12">
-                  <c:v>126.2</c:v>
+                  <c:v>135.1</c:v>
                 </c:pt>
               </c:numCache>
             </c:numRef>
@@ -5523,43 +5955,43 @@
               <c:strCache>
                 <c:ptCount val="13"/>
                 <c:pt idx="0">
-                  <c:v>201503</c:v>
+                  <c:v>201505</c:v>
                 </c:pt>
                 <c:pt idx="1">
-                  <c:v>201504</c:v>
+                  <c:v>201506</c:v>
                 </c:pt>
                 <c:pt idx="2">
-                  <c:v>201505</c:v>
+                  <c:v>201507</c:v>
                 </c:pt>
                 <c:pt idx="3">
-                  <c:v>201506</c:v>
+                  <c:v>201508</c:v>
                 </c:pt>
                 <c:pt idx="4">
-                  <c:v>201507</c:v>
+                  <c:v>201509</c:v>
                 </c:pt>
                 <c:pt idx="5">
-                  <c:v>201508</c:v>
+                  <c:v>201510</c:v>
                 </c:pt>
                 <c:pt idx="6">
-                  <c:v>201509</c:v>
+                  <c:v>201511</c:v>
                 </c:pt>
                 <c:pt idx="7">
-                  <c:v>201510</c:v>
+                  <c:v>201512</c:v>
                 </c:pt>
                 <c:pt idx="8">
-                  <c:v>201511</c:v>
+                  <c:v>201601</c:v>
                 </c:pt>
                 <c:pt idx="9">
-                  <c:v>201512</c:v>
+                  <c:v>201602</c:v>
                 </c:pt>
                 <c:pt idx="10">
-                  <c:v>201601</c:v>
+                  <c:v>201603</c:v>
                 </c:pt>
                 <c:pt idx="11">
-                  <c:v>201602</c:v>
+                  <c:v>201604</c:v>
                 </c:pt>
                 <c:pt idx="12">
-                  <c:v>201603</c:v>
+                  <c:v>201605</c:v>
                 </c:pt>
               </c:strCache>
             </c:strRef>
@@ -5571,43 +6003,43 @@
                 <c:formatCode>General</c:formatCode>
                 <c:ptCount val="13"/>
                 <c:pt idx="0">
-                  <c:v>31.0</c:v>
+                  <c:v>36.0</c:v>
                 </c:pt>
                 <c:pt idx="1">
                   <c:v>35.1</c:v>
                 </c:pt>
                 <c:pt idx="2">
-                  <c:v>36.0</c:v>
+                  <c:v>50.9</c:v>
                 </c:pt>
                 <c:pt idx="3">
-                  <c:v>35.1</c:v>
+                  <c:v>67.4</c:v>
                 </c:pt>
                 <c:pt idx="4">
-                  <c:v>50.9</c:v>
+                  <c:v>64.1</c:v>
                 </c:pt>
                 <c:pt idx="5">
-                  <c:v>67.4</c:v>
+                  <c:v>73.8</c:v>
                 </c:pt>
                 <c:pt idx="6">
-                  <c:v>64.1</c:v>
+                  <c:v>75.4</c:v>
                 </c:pt>
                 <c:pt idx="7">
-                  <c:v>73.8</c:v>
+                  <c:v>84.4</c:v>
                 </c:pt>
                 <c:pt idx="8">
-                  <c:v>75.4</c:v>
+                  <c:v>103.7</c:v>
                 </c:pt>
                 <c:pt idx="9">
-                  <c:v>84.4</c:v>
+                  <c:v>144.0</c:v>
                 </c:pt>
                 <c:pt idx="10">
-                  <c:v>103.7</c:v>
+                  <c:v>118.6</c:v>
                 </c:pt>
                 <c:pt idx="11">
-                  <c:v>144.0</c:v>
+                  <c:v>129.0</c:v>
                 </c:pt>
                 <c:pt idx="12">
-                  <c:v>118.6</c:v>
+                  <c:v>133.2</c:v>
                 </c:pt>
               </c:numCache>
             </c:numRef>
@@ -5633,43 +6065,43 @@
               <c:strCache>
                 <c:ptCount val="13"/>
                 <c:pt idx="0">
-                  <c:v>201503</c:v>
+                  <c:v>201505</c:v>
                 </c:pt>
                 <c:pt idx="1">
-                  <c:v>201504</c:v>
+                  <c:v>201506</c:v>
                 </c:pt>
                 <c:pt idx="2">
-                  <c:v>201505</c:v>
+                  <c:v>201507</c:v>
                 </c:pt>
                 <c:pt idx="3">
-                  <c:v>201506</c:v>
+                  <c:v>201508</c:v>
                 </c:pt>
                 <c:pt idx="4">
-                  <c:v>201507</c:v>
+                  <c:v>201509</c:v>
                 </c:pt>
                 <c:pt idx="5">
-                  <c:v>201508</c:v>
+                  <c:v>201510</c:v>
                 </c:pt>
                 <c:pt idx="6">
-                  <c:v>201509</c:v>
+                  <c:v>201511</c:v>
                 </c:pt>
                 <c:pt idx="7">
-                  <c:v>201510</c:v>
+                  <c:v>201512</c:v>
                 </c:pt>
                 <c:pt idx="8">
-                  <c:v>201511</c:v>
+                  <c:v>201601</c:v>
                 </c:pt>
                 <c:pt idx="9">
-                  <c:v>201512</c:v>
+                  <c:v>201602</c:v>
                 </c:pt>
                 <c:pt idx="10">
-                  <c:v>201601</c:v>
+                  <c:v>201603</c:v>
                 </c:pt>
                 <c:pt idx="11">
-                  <c:v>201602</c:v>
+                  <c:v>201604</c:v>
                 </c:pt>
                 <c:pt idx="12">
-                  <c:v>201603</c:v>
+                  <c:v>201605</c:v>
                 </c:pt>
               </c:strCache>
             </c:strRef>
@@ -5681,43 +6113,43 @@
                 <c:formatCode>General</c:formatCode>
                 <c:ptCount val="13"/>
                 <c:pt idx="0">
-                  <c:v>21.2</c:v>
+                  <c:v>28.1</c:v>
                 </c:pt>
                 <c:pt idx="1">
-                  <c:v>27.0</c:v>
+                  <c:v>26.7</c:v>
                 </c:pt>
                 <c:pt idx="2">
-                  <c:v>28.1</c:v>
+                  <c:v>36.3</c:v>
                 </c:pt>
                 <c:pt idx="3">
-                  <c:v>26.7</c:v>
+                  <c:v>49.5</c:v>
                 </c:pt>
                 <c:pt idx="4">
-                  <c:v>36.3</c:v>
+                  <c:v>54.5</c:v>
                 </c:pt>
                 <c:pt idx="5">
-                  <c:v>49.5</c:v>
+                  <c:v>74.9</c:v>
                 </c:pt>
                 <c:pt idx="6">
-                  <c:v>54.5</c:v>
+                  <c:v>64.3</c:v>
                 </c:pt>
                 <c:pt idx="7">
-                  <c:v>74.9</c:v>
+                  <c:v>80.5</c:v>
                 </c:pt>
                 <c:pt idx="8">
-                  <c:v>64.3</c:v>
+                  <c:v>100.7</c:v>
                 </c:pt>
                 <c:pt idx="9">
-                  <c:v>80.5</c:v>
+                  <c:v>135.8</c:v>
                 </c:pt>
                 <c:pt idx="10">
-                  <c:v>100.7</c:v>
+                  <c:v>115.9</c:v>
                 </c:pt>
                 <c:pt idx="11">
-                  <c:v>135.8</c:v>
+                  <c:v>142.3</c:v>
                 </c:pt>
                 <c:pt idx="12">
-                  <c:v>115.9</c:v>
+                  <c:v>157.2</c:v>
                 </c:pt>
               </c:numCache>
             </c:numRef>
@@ -5826,43 +6258,43 @@
               <c:strCache>
                 <c:ptCount val="13"/>
                 <c:pt idx="0">
-                  <c:v>201503</c:v>
+                  <c:v>201505</c:v>
                 </c:pt>
                 <c:pt idx="1">
-                  <c:v>201504</c:v>
+                  <c:v>201506</c:v>
                 </c:pt>
                 <c:pt idx="2">
-                  <c:v>201505</c:v>
+                  <c:v>201507</c:v>
                 </c:pt>
                 <c:pt idx="3">
-                  <c:v>201506</c:v>
+                  <c:v>201508</c:v>
                 </c:pt>
                 <c:pt idx="4">
-                  <c:v>201507</c:v>
+                  <c:v>201509</c:v>
                 </c:pt>
                 <c:pt idx="5">
-                  <c:v>201508</c:v>
+                  <c:v>201510</c:v>
                 </c:pt>
                 <c:pt idx="6">
-                  <c:v>201509</c:v>
+                  <c:v>201511</c:v>
                 </c:pt>
                 <c:pt idx="7">
-                  <c:v>201510</c:v>
+                  <c:v>201512</c:v>
                 </c:pt>
                 <c:pt idx="8">
-                  <c:v>201511</c:v>
+                  <c:v>201601</c:v>
                 </c:pt>
                 <c:pt idx="9">
-                  <c:v>201512</c:v>
+                  <c:v>201602</c:v>
                 </c:pt>
                 <c:pt idx="10">
-                  <c:v>201601</c:v>
+                  <c:v>201603</c:v>
                 </c:pt>
                 <c:pt idx="11">
-                  <c:v>201602</c:v>
+                  <c:v>201604</c:v>
                 </c:pt>
                 <c:pt idx="12">
-                  <c:v>201603</c:v>
+                  <c:v>201605</c:v>
                 </c:pt>
               </c:strCache>
             </c:strRef>
@@ -5874,43 +6306,43 @@
                 <c:formatCode>General</c:formatCode>
                 <c:ptCount val="13"/>
                 <c:pt idx="0">
-                  <c:v>33</c:v>
+                  <c:v>36</c:v>
                 </c:pt>
                 <c:pt idx="1">
-                  <c:v>39</c:v>
+                  <c:v>37</c:v>
                 </c:pt>
                 <c:pt idx="2">
-                  <c:v>36</c:v>
+                  <c:v>42</c:v>
                 </c:pt>
                 <c:pt idx="3">
-                  <c:v>37</c:v>
+                  <c:v>47</c:v>
                 </c:pt>
                 <c:pt idx="4">
-                  <c:v>42</c:v>
+                  <c:v>49</c:v>
                 </c:pt>
                 <c:pt idx="5">
-                  <c:v>47</c:v>
+                  <c:v>55</c:v>
                 </c:pt>
                 <c:pt idx="6">
-                  <c:v>49</c:v>
+                  <c:v>59</c:v>
                 </c:pt>
                 <c:pt idx="7">
-                  <c:v>55</c:v>
+                  <c:v>62</c:v>
                 </c:pt>
                 <c:pt idx="8">
-                  <c:v>59</c:v>
+                  <c:v>60</c:v>
                 </c:pt>
                 <c:pt idx="9">
-                  <c:v>62</c:v>
+                  <c:v>58</c:v>
                 </c:pt>
                 <c:pt idx="10">
-                  <c:v>60</c:v>
+                  <c:v>72</c:v>
                 </c:pt>
                 <c:pt idx="11">
-                  <c:v>58</c:v>
+                  <c:v>74</c:v>
                 </c:pt>
                 <c:pt idx="12">
-                  <c:v>72</c:v>
+                  <c:v>73</c:v>
                 </c:pt>
               </c:numCache>
             </c:numRef>
@@ -5936,43 +6368,43 @@
               <c:strCache>
                 <c:ptCount val="13"/>
                 <c:pt idx="0">
-                  <c:v>201503</c:v>
+                  <c:v>201505</c:v>
                 </c:pt>
                 <c:pt idx="1">
-                  <c:v>201504</c:v>
+                  <c:v>201506</c:v>
                 </c:pt>
                 <c:pt idx="2">
-                  <c:v>201505</c:v>
+                  <c:v>201507</c:v>
                 </c:pt>
                 <c:pt idx="3">
-                  <c:v>201506</c:v>
+                  <c:v>201508</c:v>
                 </c:pt>
                 <c:pt idx="4">
-                  <c:v>201507</c:v>
+                  <c:v>201509</c:v>
                 </c:pt>
                 <c:pt idx="5">
-                  <c:v>201508</c:v>
+                  <c:v>201510</c:v>
                 </c:pt>
                 <c:pt idx="6">
-                  <c:v>201509</c:v>
+                  <c:v>201511</c:v>
                 </c:pt>
                 <c:pt idx="7">
-                  <c:v>201510</c:v>
+                  <c:v>201512</c:v>
                 </c:pt>
                 <c:pt idx="8">
-                  <c:v>201511</c:v>
+                  <c:v>201601</c:v>
                 </c:pt>
                 <c:pt idx="9">
-                  <c:v>201512</c:v>
+                  <c:v>201602</c:v>
                 </c:pt>
                 <c:pt idx="10">
-                  <c:v>201601</c:v>
+                  <c:v>201603</c:v>
                 </c:pt>
                 <c:pt idx="11">
-                  <c:v>201602</c:v>
+                  <c:v>201604</c:v>
                 </c:pt>
                 <c:pt idx="12">
-                  <c:v>201603</c:v>
+                  <c:v>201605</c:v>
                 </c:pt>
               </c:strCache>
             </c:strRef>
@@ -5984,43 +6416,43 @@
                 <c:formatCode>General</c:formatCode>
                 <c:ptCount val="13"/>
                 <c:pt idx="0">
-                  <c:v>29</c:v>
+                  <c:v>37</c:v>
                 </c:pt>
                 <c:pt idx="1">
-                  <c:v>34</c:v>
+                  <c:v>37</c:v>
                 </c:pt>
                 <c:pt idx="2">
-                  <c:v>37</c:v>
+                  <c:v>44</c:v>
                 </c:pt>
                 <c:pt idx="3">
-                  <c:v>37</c:v>
+                  <c:v>53</c:v>
                 </c:pt>
                 <c:pt idx="4">
-                  <c:v>44</c:v>
+                  <c:v>50</c:v>
                 </c:pt>
                 <c:pt idx="5">
-                  <c:v>53</c:v>
+                  <c:v>70</c:v>
                 </c:pt>
                 <c:pt idx="6">
-                  <c:v>50</c:v>
+                  <c:v>73</c:v>
                 </c:pt>
                 <c:pt idx="7">
-                  <c:v>70</c:v>
+                  <c:v>71</c:v>
                 </c:pt>
                 <c:pt idx="8">
                   <c:v>73</c:v>
                 </c:pt>
                 <c:pt idx="9">
-                  <c:v>71</c:v>
+                  <c:v>86</c:v>
                 </c:pt>
                 <c:pt idx="10">
-                  <c:v>73</c:v>
+                  <c:v>75</c:v>
                 </c:pt>
                 <c:pt idx="11">
-                  <c:v>86</c:v>
+                  <c:v>93</c:v>
                 </c:pt>
                 <c:pt idx="12">
-                  <c:v>75</c:v>
+                  <c:v>94</c:v>
                 </c:pt>
               </c:numCache>
             </c:numRef>
@@ -6233,97 +6665,97 @@
                 <c:formatCode>General</c:formatCode>
                 <c:ptCount val="31"/>
                 <c:pt idx="0">
-                  <c:v>32.6</c:v>
+                  <c:v>35.7</c:v>
                 </c:pt>
                 <c:pt idx="1">
+                  <c:v>32.8</c:v>
+                </c:pt>
+                <c:pt idx="2">
                   <c:v>33.1</c:v>
                 </c:pt>
-                <c:pt idx="2">
-                  <c:v>33.3</c:v>
-                </c:pt>
                 <c:pt idx="3">
+                  <c:v>33.8</c:v>
+                </c:pt>
+                <c:pt idx="4">
                   <c:v>34.4</c:v>
                 </c:pt>
-                <c:pt idx="4">
-                  <c:v>32.9</c:v>
-                </c:pt>
                 <c:pt idx="5">
-                  <c:v>31.3</c:v>
+                  <c:v>35.3</c:v>
                 </c:pt>
                 <c:pt idx="6">
-                  <c:v>32.9</c:v>
+                  <c:v>34.2</c:v>
                 </c:pt>
                 <c:pt idx="7">
-                  <c:v>34.0</c:v>
+                  <c:v>32.7</c:v>
                 </c:pt>
                 <c:pt idx="8">
-                  <c:v>34.0</c:v>
+                  <c:v>33.9</c:v>
                 </c:pt>
                 <c:pt idx="9">
-                  <c:v>34.2</c:v>
+                  <c:v>34.9</c:v>
                 </c:pt>
                 <c:pt idx="10">
-                  <c:v>35.4</c:v>
+                  <c:v>36.4</c:v>
                 </c:pt>
                 <c:pt idx="11">
-                  <c:v>33.6</c:v>
+                  <c:v>37.1</c:v>
                 </c:pt>
                 <c:pt idx="12">
-                  <c:v>31.6</c:v>
+                  <c:v>38.6</c:v>
                 </c:pt>
                 <c:pt idx="13">
-                  <c:v>33.6</c:v>
+                  <c:v>37.5</c:v>
                 </c:pt>
                 <c:pt idx="14">
                   <c:v>34.6</c:v>
                 </c:pt>
                 <c:pt idx="15">
-                  <c:v>35.4</c:v>
+                  <c:v>35.9</c:v>
                 </c:pt>
                 <c:pt idx="16">
+                  <c:v>36.7</c:v>
+                </c:pt>
+                <c:pt idx="17">
+                  <c:v>37.8</c:v>
+                </c:pt>
+                <c:pt idx="18">
+                  <c:v>38.1</c:v>
+                </c:pt>
+                <c:pt idx="19">
+                  <c:v>38.5</c:v>
+                </c:pt>
+                <c:pt idx="20">
+                  <c:v>36.9</c:v>
+                </c:pt>
+                <c:pt idx="21">
+                  <c:v>34.8</c:v>
+                </c:pt>
+                <c:pt idx="22">
                   <c:v>35.9</c:v>
                 </c:pt>
-                <c:pt idx="17">
-                  <c:v>36.2</c:v>
-                </c:pt>
-                <c:pt idx="18">
-                  <c:v>35.2</c:v>
-                </c:pt>
-                <c:pt idx="19">
-                  <c:v>32.8</c:v>
-                </c:pt>
-                <c:pt idx="20">
-                  <c:v>33.8</c:v>
-                </c:pt>
-                <c:pt idx="21">
-                  <c:v>34.7</c:v>
-                </c:pt>
-                <c:pt idx="22">
-                  <c:v>35.5</c:v>
-                </c:pt>
                 <c:pt idx="23">
-                  <c:v>38.2</c:v>
+                  <c:v>35.9</c:v>
                 </c:pt>
                 <c:pt idx="24">
-                  <c:v>45.3</c:v>
+                  <c:v>37.3</c:v>
                 </c:pt>
                 <c:pt idx="25">
-                  <c:v>42.0</c:v>
+                  <c:v>23.7</c:v>
                 </c:pt>
                 <c:pt idx="26">
-                  <c:v>39.0</c:v>
+                  <c:v>18.6</c:v>
                 </c:pt>
                 <c:pt idx="27">
-                  <c:v>38.4</c:v>
+                  <c:v>18.3</c:v>
                 </c:pt>
                 <c:pt idx="28">
-                  <c:v>35.5</c:v>
+                  <c:v>17.4</c:v>
                 </c:pt>
                 <c:pt idx="29">
-                  <c:v>19.3</c:v>
+                  <c:v>17.2</c:v>
                 </c:pt>
                 <c:pt idx="30">
-                  <c:v>35.2</c:v>
+                  <c:v>17.4</c:v>
                 </c:pt>
               </c:numCache>
             </c:numRef>
@@ -6420,43 +6852,43 @@
               <c:strCache>
                 <c:ptCount val="13"/>
                 <c:pt idx="0">
-                  <c:v>201503</c:v>
+                  <c:v>201505</c:v>
                 </c:pt>
                 <c:pt idx="1">
-                  <c:v>201504</c:v>
+                  <c:v>201506</c:v>
                 </c:pt>
                 <c:pt idx="2">
-                  <c:v>201505</c:v>
+                  <c:v>201507</c:v>
                 </c:pt>
                 <c:pt idx="3">
-                  <c:v>201506</c:v>
+                  <c:v>201508</c:v>
                 </c:pt>
                 <c:pt idx="4">
-                  <c:v>201507</c:v>
+                  <c:v>201509</c:v>
                 </c:pt>
                 <c:pt idx="5">
-                  <c:v>201508</c:v>
+                  <c:v>201510</c:v>
                 </c:pt>
                 <c:pt idx="6">
-                  <c:v>201509</c:v>
+                  <c:v>201511</c:v>
                 </c:pt>
                 <c:pt idx="7">
-                  <c:v>201510</c:v>
+                  <c:v>201512</c:v>
                 </c:pt>
                 <c:pt idx="8">
-                  <c:v>201511</c:v>
+                  <c:v>201601</c:v>
                 </c:pt>
                 <c:pt idx="9">
-                  <c:v>201512</c:v>
+                  <c:v>201602</c:v>
                 </c:pt>
                 <c:pt idx="10">
-                  <c:v>201601</c:v>
+                  <c:v>201603</c:v>
                 </c:pt>
                 <c:pt idx="11">
-                  <c:v>201602</c:v>
+                  <c:v>201604</c:v>
                 </c:pt>
                 <c:pt idx="12">
-                  <c:v>201603</c:v>
+                  <c:v>201605</c:v>
                 </c:pt>
               </c:strCache>
             </c:strRef>
@@ -6468,43 +6900,43 @@
                 <c:formatCode>General</c:formatCode>
                 <c:ptCount val="13"/>
                 <c:pt idx="0">
-                  <c:v>107</c:v>
+                  <c:v>124</c:v>
                 </c:pt>
                 <c:pt idx="1">
-                  <c:v>111</c:v>
+                  <c:v>117</c:v>
                 </c:pt>
                 <c:pt idx="2">
-                  <c:v>124</c:v>
+                  <c:v>109</c:v>
                 </c:pt>
                 <c:pt idx="3">
-                  <c:v>117</c:v>
+                  <c:v>122</c:v>
                 </c:pt>
                 <c:pt idx="4">
-                  <c:v>109</c:v>
+                  <c:v>127</c:v>
                 </c:pt>
                 <c:pt idx="5">
-                  <c:v>122</c:v>
+                  <c:v>138</c:v>
                 </c:pt>
                 <c:pt idx="6">
-                  <c:v>127</c:v>
+                  <c:v>143</c:v>
                 </c:pt>
                 <c:pt idx="7">
-                  <c:v>138</c:v>
+                  <c:v>154</c:v>
                 </c:pt>
                 <c:pt idx="8">
-                  <c:v>143</c:v>
+                  <c:v>154</c:v>
                 </c:pt>
                 <c:pt idx="9">
-                  <c:v>154</c:v>
+                  <c:v>144</c:v>
                 </c:pt>
                 <c:pt idx="10">
-                  <c:v>154</c:v>
+                  <c:v>183</c:v>
                 </c:pt>
                 <c:pt idx="11">
-                  <c:v>144</c:v>
+                  <c:v>180</c:v>
                 </c:pt>
                 <c:pt idx="12">
-                  <c:v>183</c:v>
+                  <c:v>193</c:v>
                 </c:pt>
               </c:numCache>
             </c:numRef>
@@ -6530,43 +6962,43 @@
               <c:strCache>
                 <c:ptCount val="13"/>
                 <c:pt idx="0">
-                  <c:v>201503</c:v>
+                  <c:v>201505</c:v>
                 </c:pt>
                 <c:pt idx="1">
-                  <c:v>201504</c:v>
+                  <c:v>201506</c:v>
                 </c:pt>
                 <c:pt idx="2">
-                  <c:v>201505</c:v>
+                  <c:v>201507</c:v>
                 </c:pt>
                 <c:pt idx="3">
-                  <c:v>201506</c:v>
+                  <c:v>201508</c:v>
                 </c:pt>
                 <c:pt idx="4">
-                  <c:v>201507</c:v>
+                  <c:v>201509</c:v>
                 </c:pt>
                 <c:pt idx="5">
-                  <c:v>201508</c:v>
+                  <c:v>201510</c:v>
                 </c:pt>
                 <c:pt idx="6">
-                  <c:v>201509</c:v>
+                  <c:v>201511</c:v>
                 </c:pt>
                 <c:pt idx="7">
-                  <c:v>201510</c:v>
+                  <c:v>201512</c:v>
                 </c:pt>
                 <c:pt idx="8">
-                  <c:v>201511</c:v>
+                  <c:v>201601</c:v>
                 </c:pt>
                 <c:pt idx="9">
-                  <c:v>201512</c:v>
+                  <c:v>201602</c:v>
                 </c:pt>
                 <c:pt idx="10">
-                  <c:v>201601</c:v>
+                  <c:v>201603</c:v>
                 </c:pt>
                 <c:pt idx="11">
-                  <c:v>201602</c:v>
+                  <c:v>201604</c:v>
                 </c:pt>
                 <c:pt idx="12">
-                  <c:v>201603</c:v>
+                  <c:v>201605</c:v>
                 </c:pt>
               </c:strCache>
             </c:strRef>
@@ -6578,43 +7010,43 @@
                 <c:formatCode>General</c:formatCode>
                 <c:ptCount val="13"/>
                 <c:pt idx="0">
-                  <c:v>78</c:v>
+                  <c:v>80</c:v>
                 </c:pt>
                 <c:pt idx="1">
-                  <c:v>82</c:v>
+                  <c:v>77</c:v>
                 </c:pt>
                 <c:pt idx="2">
-                  <c:v>80</c:v>
+                  <c:v>86</c:v>
                 </c:pt>
                 <c:pt idx="3">
-                  <c:v>77</c:v>
+                  <c:v>98</c:v>
                 </c:pt>
                 <c:pt idx="4">
-                  <c:v>86</c:v>
+                  <c:v>114</c:v>
                 </c:pt>
                 <c:pt idx="5">
-                  <c:v>98</c:v>
+                  <c:v>112</c:v>
                 </c:pt>
                 <c:pt idx="6">
-                  <c:v>114</c:v>
+                  <c:v>93</c:v>
                 </c:pt>
                 <c:pt idx="7">
-                  <c:v>112</c:v>
+                  <c:v>120</c:v>
                 </c:pt>
                 <c:pt idx="8">
-                  <c:v>93</c:v>
+                  <c:v>144</c:v>
                 </c:pt>
                 <c:pt idx="9">
-                  <c:v>120</c:v>
+                  <c:v>165</c:v>
                 </c:pt>
                 <c:pt idx="10">
-                  <c:v>144</c:v>
+                  <c:v>162</c:v>
                 </c:pt>
                 <c:pt idx="11">
-                  <c:v>165</c:v>
+                  <c:v>160</c:v>
                 </c:pt>
                 <c:pt idx="12">
-                  <c:v>162</c:v>
+                  <c:v>175</c:v>
                 </c:pt>
               </c:numCache>
             </c:numRef>
@@ -6718,18 +7150,54 @@
           </c:tx>
           <c:cat>
             <c:strRef>
-              <c:f>Sheet1!$A$2:$A$1</c:f>
+              <c:f>Sheet1!$A$2:$A$7</c:f>
               <c:strCache>
-                <c:ptCount val="0"/>
+                <c:ptCount val="6"/>
+                <c:pt idx="0">
+                  <c:v>HKGTC</c:v>
+                </c:pt>
+                <c:pt idx="1">
+                  <c:v>HKGH3</c:v>
+                </c:pt>
+                <c:pt idx="2">
+                  <c:v>HKGSM</c:v>
+                </c:pt>
+                <c:pt idx="3">
+                  <c:v>HKGPP</c:v>
+                </c:pt>
+                <c:pt idx="4">
+                  <c:v>BBBBB</c:v>
+                </c:pt>
+                <c:pt idx="5">
+                  <c:v>Others</c:v>
+                </c:pt>
               </c:strCache>
             </c:strRef>
           </c:cat>
           <c:val>
             <c:numRef>
-              <c:f>Sheet1!$B$2:$B$1</c:f>
+              <c:f>Sheet1!$B$2:$B$7</c:f>
               <c:numCache>
                 <c:formatCode>General</c:formatCode>
-                <c:ptCount val="0"/>
+                <c:ptCount val="6"/>
+                <c:pt idx="0">
+                  <c:v>0.05</c:v>
+                </c:pt>
+                <c:pt idx="1">
+                  <c:v>0.07</c:v>
+                </c:pt>
+                <c:pt idx="2">
+                  <c:v>0.08</c:v>
+                </c:pt>
+                <c:pt idx="3">
+                  <c:v>0.09</c:v>
+                </c:pt>
+                <c:pt idx="4">
+                  <c:v>0.13</c:v>
+                </c:pt>
+                <c:pt idx="5">
+                  <c:v>0.58</c:v>
+                </c:pt>
               </c:numCache>
             </c:numRef>
           </c:val>
@@ -6811,32 +7279,50 @@
               <c:strCache>
                 <c:ptCount val="6"/>
                 <c:pt idx="0">
-                  <c:v>BJ</c:v>
+                  <c:v>Others</c:v>
                 </c:pt>
                 <c:pt idx="1">
-                  <c:v>GD</c:v>
+                  <c:v>YunNan</c:v>
                 </c:pt>
                 <c:pt idx="2">
-                  <c:v>SH</c:v>
+                  <c:v>FuJian</c:v>
                 </c:pt>
                 <c:pt idx="3">
-                  <c:v>JS</c:v>
+                  <c:v>BeiJing</c:v>
                 </c:pt>
                 <c:pt idx="4">
-                  <c:v>ZJ</c:v>
+                  <c:v>ShangHai</c:v>
                 </c:pt>
                 <c:pt idx="5">
-                  <c:v>Others</c:v>
+                  <c:v>GuangDong</c:v>
                 </c:pt>
               </c:strCache>
             </c:strRef>
           </c:cat>
           <c:val>
             <c:numRef>
-              <c:f>Sheet1!$B$2:$B$1</c:f>
+              <c:f>Sheet1!$B$2:$B$7</c:f>
               <c:numCache>
                 <c:formatCode>General</c:formatCode>
-                <c:ptCount val="0"/>
+                <c:ptCount val="6"/>
+                <c:pt idx="0">
+                  <c:v>-0.09</c:v>
+                </c:pt>
+                <c:pt idx="1">
+                  <c:v>0.09</c:v>
+                </c:pt>
+                <c:pt idx="2">
+                  <c:v>0.09</c:v>
+                </c:pt>
+                <c:pt idx="3">
+                  <c:v>0.09</c:v>
+                </c:pt>
+                <c:pt idx="4">
+                  <c:v>0.15</c:v>
+                </c:pt>
+                <c:pt idx="5">
+                  <c:v>0.67</c:v>
+                </c:pt>
               </c:numCache>
             </c:numRef>
           </c:val>
@@ -7023,97 +7509,97 @@
                 <c:formatCode>General</c:formatCode>
                 <c:ptCount val="31"/>
                 <c:pt idx="0">
-                  <c:v>53.9</c:v>
+                  <c:v>24.0</c:v>
                 </c:pt>
                 <c:pt idx="1">
-                  <c:v>59.0</c:v>
+                  <c:v>30.8</c:v>
                 </c:pt>
                 <c:pt idx="2">
-                  <c:v>58.7</c:v>
+                  <c:v>40.4</c:v>
                 </c:pt>
                 <c:pt idx="3">
-                  <c:v>50.2</c:v>
+                  <c:v>45.5</c:v>
                 </c:pt>
                 <c:pt idx="4">
-                  <c:v>27.8</c:v>
+                  <c:v>42.6</c:v>
                 </c:pt>
                 <c:pt idx="5">
+                  <c:v>41.5</c:v>
+                </c:pt>
+                <c:pt idx="6">
+                  <c:v>26.3</c:v>
+                </c:pt>
+                <c:pt idx="7">
                   <c:v>25.5</c:v>
                 </c:pt>
-                <c:pt idx="6">
-                  <c:v>48.0</c:v>
-                </c:pt>
-                <c:pt idx="7">
-                  <c:v>59.5</c:v>
-                </c:pt>
                 <c:pt idx="8">
-                  <c:v>62.1</c:v>
+                  <c:v>45.4</c:v>
                 </c:pt>
                 <c:pt idx="9">
-                  <c:v>61.4</c:v>
+                  <c:v>57.0</c:v>
                 </c:pt>
                 <c:pt idx="10">
-                  <c:v>51.2</c:v>
+                  <c:v>61.5</c:v>
                 </c:pt>
                 <c:pt idx="11">
-                  <c:v>28.7</c:v>
+                  <c:v>60.2</c:v>
                 </c:pt>
                 <c:pt idx="12">
-                  <c:v>25.1</c:v>
+                  <c:v>50.7</c:v>
                 </c:pt>
                 <c:pt idx="13">
-                  <c:v>48.8</c:v>
+                  <c:v>28.5</c:v>
                 </c:pt>
                 <c:pt idx="14">
+                  <c:v>25.6</c:v>
+                </c:pt>
+                <c:pt idx="15">
+                  <c:v>43.7</c:v>
+                </c:pt>
+                <c:pt idx="16">
+                  <c:v>57.4</c:v>
+                </c:pt>
+                <c:pt idx="17">
+                  <c:v>62.7</c:v>
+                </c:pt>
+                <c:pt idx="18">
+                  <c:v>62.3</c:v>
+                </c:pt>
+                <c:pt idx="19">
+                  <c:v>52.5</c:v>
+                </c:pt>
+                <c:pt idx="20">
+                  <c:v>29.2</c:v>
+                </c:pt>
+                <c:pt idx="21">
+                  <c:v>25.3</c:v>
+                </c:pt>
+                <c:pt idx="22">
+                  <c:v>46.8</c:v>
+                </c:pt>
+                <c:pt idx="23">
+                  <c:v>57.3</c:v>
+                </c:pt>
+                <c:pt idx="24">
                   <c:v>60.9</c:v>
                 </c:pt>
-                <c:pt idx="15">
-                  <c:v>64.9</c:v>
-                </c:pt>
-                <c:pt idx="16">
-                  <c:v>64.3</c:v>
-                </c:pt>
-                <c:pt idx="17">
-                  <c:v>54.5</c:v>
-                </c:pt>
-                <c:pt idx="18">
-                  <c:v>31.1</c:v>
-                </c:pt>
-                <c:pt idx="19">
-                  <c:v>26.7</c:v>
-                </c:pt>
-                <c:pt idx="20">
-                  <c:v>46.2</c:v>
-                </c:pt>
-                <c:pt idx="21">
-                  <c:v>56.2</c:v>
-                </c:pt>
-                <c:pt idx="22">
-                  <c:v>56.9</c:v>
-                </c:pt>
-                <c:pt idx="23">
-                  <c:v>51.7</c:v>
-                </c:pt>
-                <c:pt idx="24">
-                  <c:v>40.3</c:v>
-                </c:pt>
                 <c:pt idx="25">
-                  <c:v>26.2</c:v>
+                  <c:v>11.0</c:v>
                 </c:pt>
                 <c:pt idx="26">
-                  <c:v>24.0</c:v>
+                  <c:v>0.0</c:v>
                 </c:pt>
                 <c:pt idx="27">
-                  <c:v>34.6</c:v>
+                  <c:v>0.0</c:v>
                 </c:pt>
                 <c:pt idx="28">
-                  <c:v>44.2</c:v>
+                  <c:v>0.0</c:v>
                 </c:pt>
                 <c:pt idx="29">
-                  <c:v>6.5</c:v>
+                  <c:v>0.0</c:v>
                 </c:pt>
                 <c:pt idx="30">
-                  <c:v>46.8</c:v>
+                  <c:v>0.0</c:v>
                 </c:pt>
               </c:numCache>
             </c:numRef>
@@ -7205,18 +7691,54 @@
           </c:tx>
           <c:cat>
             <c:strRef>
-              <c:f>Sheet1!$A$2:$A$1</c:f>
+              <c:f>Sheet1!$A$2:$A$7</c:f>
               <c:strCache>
-                <c:ptCount val="0"/>
+                <c:ptCount val="6"/>
+                <c:pt idx="0">
+                  <c:v>HKGPP</c:v>
+                </c:pt>
+                <c:pt idx="1">
+                  <c:v>DEUD2</c:v>
+                </c:pt>
+                <c:pt idx="2">
+                  <c:v>DEUD1</c:v>
+                </c:pt>
+                <c:pt idx="3">
+                  <c:v>JPNDO</c:v>
+                </c:pt>
+                <c:pt idx="4">
+                  <c:v>USACG</c:v>
+                </c:pt>
+                <c:pt idx="5">
+                  <c:v>Others</c:v>
+                </c:pt>
               </c:strCache>
             </c:strRef>
           </c:cat>
           <c:val>
             <c:numRef>
-              <c:f>Sheet1!$B$2:$B$1</c:f>
+              <c:f>Sheet1!$B$2:$B$7</c:f>
               <c:numCache>
                 <c:formatCode>General</c:formatCode>
-                <c:ptCount val="0"/>
+                <c:ptCount val="6"/>
+                <c:pt idx="0">
+                  <c:v>0.06</c:v>
+                </c:pt>
+                <c:pt idx="1">
+                  <c:v>0.06</c:v>
+                </c:pt>
+                <c:pt idx="2">
+                  <c:v>0.06</c:v>
+                </c:pt>
+                <c:pt idx="3">
+                  <c:v>0.07</c:v>
+                </c:pt>
+                <c:pt idx="4">
+                  <c:v>0.08</c:v>
+                </c:pt>
+                <c:pt idx="5">
+                  <c:v>0.67</c:v>
+                </c:pt>
               </c:numCache>
             </c:numRef>
           </c:val>
@@ -7298,32 +7820,50 @@
               <c:strCache>
                 <c:ptCount val="6"/>
                 <c:pt idx="0">
-                  <c:v>BJ</c:v>
+                  <c:v>ZheJiang</c:v>
                 </c:pt>
                 <c:pt idx="1">
-                  <c:v>GD</c:v>
+                  <c:v>JiangSu</c:v>
                 </c:pt>
                 <c:pt idx="2">
-                  <c:v>SH</c:v>
+                  <c:v>BeiJing</c:v>
                 </c:pt>
                 <c:pt idx="3">
-                  <c:v>JS</c:v>
+                  <c:v>Others</c:v>
                 </c:pt>
                 <c:pt idx="4">
-                  <c:v>ZJ</c:v>
+                  <c:v>ShangHai</c:v>
                 </c:pt>
                 <c:pt idx="5">
-                  <c:v>Others</c:v>
+                  <c:v>GuangDong</c:v>
                 </c:pt>
               </c:strCache>
             </c:strRef>
           </c:cat>
           <c:val>
             <c:numRef>
-              <c:f>Sheet1!$B$2:$B$1</c:f>
+              <c:f>Sheet1!$B$2:$B$7</c:f>
               <c:numCache>
                 <c:formatCode>General</c:formatCode>
-                <c:ptCount val="0"/>
+                <c:ptCount val="6"/>
+                <c:pt idx="0">
+                  <c:v>0.05</c:v>
+                </c:pt>
+                <c:pt idx="1">
+                  <c:v>0.07</c:v>
+                </c:pt>
+                <c:pt idx="2">
+                  <c:v>0.11</c:v>
+                </c:pt>
+                <c:pt idx="3">
+                  <c:v>0.18</c:v>
+                </c:pt>
+                <c:pt idx="4">
+                  <c:v>0.26</c:v>
+                </c:pt>
+                <c:pt idx="5">
+                  <c:v>0.33</c:v>
+                </c:pt>
               </c:numCache>
             </c:numRef>
           </c:val>
@@ -10790,8 +11330,8 @@
                     <a:lstStyle/>
                     <a:p>
                       <a:r>
-                        <a:t>2.3-33.7%</a:t>
+                        <a:t>2.4+0.7%</a:t>
                       </a:r>
                     </a:p>
                   </a:txBody>
@@ -10803,8 +11343,8 @@
                     <a:lstStyle/>
                     <a:p>
                       <a:r>
-                        <a:t>2.9-19.5%</a:t>
+                        <a:t>2.7+-9.9%</a:t>
                       </a:r>
                     </a:p>
                   </a:txBody>
@@ -10816,8 +11356,8 @@
                     <a:lstStyle/>
                     <a:p>
                       <a:r>
-                        <a:t>1.4-80.2%</a:t>
+                        <a:t>1.1+-28.0%</a:t>
                       </a:r>
                     </a:p>
                   </a:txBody>
@@ -10829,8 +11369,8 @@
                     <a:lstStyle/>
                     <a:p>
                       <a:r>
-                        <a:t>0.4-30.0%</a:t>
+                        <a:t>0.3+-20.0%</a:t>
                       </a:r>
                     </a:p>
                   </a:txBody>
@@ -10842,8 +11382,8 @@
                     <a:lstStyle/>
                     <a:p>
                       <a:r>
-                        <a:t>148.5-54.9%</a:t>
+                        <a:t>159.9+5.0%</a:t>
                       </a:r>
                     </a:p>
                   </a:txBody>
@@ -10869,8 +11409,8 @@
                     <a:lstStyle/>
                     <a:p>
                       <a:r>
-                        <a:t>2.2--15.5%</a:t>
+                        <a:t>2.4+-0.2%</a:t>
                       </a:r>
                     </a:p>
                   </a:txBody>
@@ -10882,8 +11422,8 @@
                     <a:lstStyle/>
                     <a:p>
                       <a:r>
-                        <a:t>3.1--13.4%</a:t>
+                        <a:t>3.4+-0.6%</a:t>
                       </a:r>
                     </a:p>
                   </a:txBody>
@@ -10895,8 +11435,8 @@
                     <a:lstStyle/>
                     <a:p>
                       <a:r>
-                        <a:t>4.4-1.0%</a:t>
+                        <a:t>4.3+-5.1%</a:t>
                       </a:r>
                     </a:p>
                   </a:txBody>
@@ -10908,8 +11448,8 @@
                     <a:lstStyle/>
                     <a:p>
                       <a:r>
-                        <a:t>0.7--10.0%</a:t>
+                        <a:t>0.8+-3.3%</a:t>
                       </a:r>
                     </a:p>
                   </a:txBody>
@@ -10921,8 +11461,8 @@
                     <a:lstStyle/>
                     <a:p>
                       <a:r>
-                        <a:t>234.5--16.2%</a:t>
+                        <a:t>290.5+7.1%</a:t>
                       </a:r>
                     </a:p>
                   </a:txBody>
@@ -10967,7 +11507,7 @@
           <a:lstStyle/>
           <a:p>
             <a:r>
-              <a:t>0.0%</a:t>
+              <a:t>144.0%</a:t>
             </a:r>
           </a:p>
         </p:txBody>
@@ -10988,7 +11528,7 @@
           <a:lstStyle/>
           <a:p>
             <a:r>
-              <a:t>0.0%</a:t>
+              <a:t>63.0%</a:t>
             </a:r>
           </a:p>
         </p:txBody>
@@ -11144,7 +11684,7 @@
           <a:lstStyle/>
           <a:p>
             <a:r>
-              <a:t>0.0%</a:t>
+              <a:t>78.0%</a:t>
             </a:r>
           </a:p>
         </p:txBody>
@@ -11165,7 +11705,7 @@
           <a:lstStyle/>
           <a:p>
             <a:r>
-              <a:t>0.0%</a:t>
+              <a:t>52.0%</a:t>
             </a:r>
           </a:p>
         </p:txBody>
@@ -11465,8 +12005,8 @@
           <a:lstStyle/>
           <a:p>
             <a:r>
-              <a:t>2016年02月来访LTE新开通2家运营商（MYSMT、 MACSM等），累计105家；-2016年02月出访LTE新开通10家运营商（MYSMT、 MACSM等），累计130家；</a:t>
+              <a:t>2016年02月来访LTE新开通5家运营商（MYSMT、 MACSM等），累计115家；+2016年02月出访LTE新开通5家运营商（MYSMT、 MACSM等），累计137家；</a:t>
             </a:r>
           </a:p>
         </p:txBody>
@@ -11487,7 +12027,7 @@
           <a:lstStyle/>
           <a:p>
             <a:r>
-              <a:t>来访：25.1%   出访：-12.9%</a:t>
+              <a:t>来访：-1.3%   出访：1.1%</a:t>
             </a:r>
           </a:p>
         </p:txBody>
@@ -11508,7 +12048,7 @@
           <a:lstStyle/>
           <a:p>
             <a:r>
-              <a:t>来访：27.2%   出访：-2.0%</a:t>
+              <a:t>来访：7.4%   出访：9.3%</a:t>
             </a:r>
           </a:p>
         </p:txBody>
@@ -11619,7 +12159,7 @@
           <a:lstStyle/>
           <a:p>
             <a:r>
-              <a:t>0.0%</a:t>
+              <a:t>551.0%</a:t>
             </a:r>
           </a:p>
         </p:txBody>
@@ -11640,7 +12180,7 @@
           <a:lstStyle/>
           <a:p>
             <a:r>
-              <a:t>0.0%</a:t>
+              <a:t>661.0%</a:t>
             </a:r>
           </a:p>
         </p:txBody>
@@ -11796,7 +12336,7 @@
           <a:lstStyle/>
           <a:p>
             <a:r>
-              <a:t>0.0%</a:t>
+              <a:t>42.0%</a:t>
             </a:r>
           </a:p>
         </p:txBody>
@@ -11817,7 +12357,7 @@
           <a:lstStyle/>
           <a:p>
             <a:r>
-              <a:t>0.0%</a:t>
+              <a:t>109.0%</a:t>
             </a:r>
           </a:p>
         </p:txBody>
@@ -11973,7 +12513,7 @@
           <a:lstStyle/>
           <a:p>
             <a:r>
-              <a:t>0.0%</a:t>
+              <a:t>33.0%</a:t>
             </a:r>
           </a:p>
         </p:txBody>
@@ -11994,7 +12534,7 @@
           <a:lstStyle/>
           <a:p>
             <a:r>
-              <a:t>0.0%</a:t>
+              <a:t>82.0%</a:t>
             </a:r>
           </a:p>
         </p:txBody>
@@ -12150,7 +12690,7 @@
           <a:lstStyle/>
           <a:p>
             <a:r>
-              <a:t>0.0%</a:t>
+              <a:t>30.0%</a:t>
             </a:r>
           </a:p>
         </p:txBody>
@@ -12171,7 +12711,7 @@
           <a:lstStyle/>
           <a:p>
             <a:r>
-              <a:t>0.0%</a:t>
+              <a:t>82.0%</a:t>
             </a:r>
           </a:p>
         </p:txBody>
@@ -12327,7 +12867,7 @@
           <a:lstStyle/>
           <a:p>
             <a:r>
-              <a:t>0.0%</a:t>
+              <a:t>115.0%</a:t>
             </a:r>
           </a:p>
         </p:txBody>
@@ -12348,7 +12888,7 @@
           <a:lstStyle/>
           <a:p>
             <a:r>
-              <a:t>0.0%</a:t>
+              <a:t>80.0%</a:t>
             </a:r>
           </a:p>
         </p:txBody>
@@ -12504,7 +13044,7 @@
           <a:lstStyle/>
           <a:p>
             <a:r>
-              <a:t>0.0%</a:t>
+              <a:t>2486.0%</a:t>
             </a:r>
           </a:p>
         </p:txBody>
@@ -12525,7 +13065,7 @@
           <a:lstStyle/>
           <a:p>
             <a:r>
-              <a:t>0.0%</a:t>
+              <a:t>455.0%</a:t>
             </a:r>
           </a:p>
         </p:txBody>
@@ -12681,7 +13221,7 @@
           <a:lstStyle/>
           <a:p>
             <a:r>
-              <a:t>0.0%</a:t>
+              <a:t>608.0%</a:t>
             </a:r>
           </a:p>
         </p:txBody>
@@ -12702,7 +13242,7 @@
           <a:lstStyle/>
           <a:p>
             <a:r>
-              <a:t>0.0%</a:t>
+              <a:t>164.0%</a:t>
             </a:r>
           </a:p>
         </p:txBody>
@@ -12858,7 +13398,7 @@
           <a:lstStyle/>
           <a:p>
             <a:r>
-              <a:t>0.0%</a:t>
+              <a:t>68.0%</a:t>
             </a:r>
           </a:p>
         </p:txBody>
@@ -12879,7 +13419,7 @@
           <a:lstStyle/>
           <a:p>
             <a:r>
-              <a:t>0.0%</a:t>
+              <a:t>69.0%</a:t>
             </a:r>
           </a:p>
         </p:txBody>
